--- a/DCP-presentation-group1.pptx
+++ b/DCP-presentation-group1.pptx
@@ -110,6 +110,11 @@
       </a:defRPr>
     </a:lvl9pPr>
   </p:defaultTextStyle>
+  <p:extLst>
+    <p:ext uri="{EFAFB233-063F-42B5-8137-9DF3F51BA10A}">
+      <p15:sldGuideLst xmlns:p15="http://schemas.microsoft.com/office/powerpoint/2012/main"/>
+    </p:ext>
+  </p:extLst>
 </p:presentation>
 </file>
 
@@ -189,7 +194,7 @@
           </a:lstStyle>
           <a:p>
             <a:r>
-              <a:rPr lang="en-US" smtClean="0"/>
+              <a:rPr lang="en-US"/>
               <a:t>Click to edit Master title style</a:t>
             </a:r>
             <a:endParaRPr lang="en-US" dirty="0"/>
@@ -285,7 +290,7 @@
           </a:lstStyle>
           <a:p>
             <a:r>
-              <a:rPr lang="en-US" smtClean="0"/>
+              <a:rPr lang="en-US"/>
               <a:t>Click to edit Master subtitle style</a:t>
             </a:r>
             <a:endParaRPr lang="en-US" dirty="0"/>
@@ -309,7 +314,7 @@
           <a:p>
             <a:fld id="{ECD19FB2-3AAB-4D03-B13A-2960828C78E3}" type="datetimeFigureOut">
               <a:rPr lang="en-US" dirty="0"/>
-              <a:t>3/31/2022</a:t>
+              <a:t>4/1/2022</a:t>
             </a:fld>
             <a:endParaRPr lang="en-US" dirty="0"/>
           </a:p>
@@ -408,7 +413,7 @@
           </a:lstStyle>
           <a:p>
             <a:r>
-              <a:rPr lang="en-US" smtClean="0"/>
+              <a:rPr lang="en-US"/>
               <a:t>Click to edit Master title style</a:t>
             </a:r>
             <a:endParaRPr lang="en-US" dirty="0"/>
@@ -473,7 +478,7 @@
           </a:lstStyle>
           <a:p>
             <a:r>
-              <a:rPr lang="en-US" smtClean="0"/>
+              <a:rPr lang="en-US"/>
               <a:t>Click icon to add picture</a:t>
             </a:r>
             <a:endParaRPr lang="en-US" dirty="0"/>
@@ -563,7 +568,7 @@
           <a:p>
             <a:pPr lvl="0"/>
             <a:r>
-              <a:rPr lang="en-US" smtClean="0"/>
+              <a:rPr lang="en-US"/>
               <a:t>Edit Master text styles</a:t>
             </a:r>
           </a:p>
@@ -586,7 +591,7 @@
           <a:p>
             <a:fld id="{1B80C674-7DFC-42FE-B9CD-82963CDB1557}" type="datetimeFigureOut">
               <a:rPr lang="en-US" dirty="0"/>
-              <a:t>3/31/2022</a:t>
+              <a:t>4/1/2022</a:t>
             </a:fld>
             <a:endParaRPr lang="en-US" dirty="0"/>
           </a:p>
@@ -684,7 +689,7 @@
           </a:lstStyle>
           <a:p>
             <a:r>
-              <a:rPr lang="en-US" smtClean="0"/>
+              <a:rPr lang="en-US"/>
               <a:t>Click to edit Master title style</a:t>
             </a:r>
             <a:endParaRPr lang="en-US" dirty="0"/>
@@ -750,7 +755,7 @@
           <a:p>
             <a:pPr lvl="0"/>
             <a:r>
-              <a:rPr lang="en-US" smtClean="0"/>
+              <a:rPr lang="en-US"/>
               <a:t>Edit Master text styles</a:t>
             </a:r>
           </a:p>
@@ -773,7 +778,7 @@
           <a:p>
             <a:fld id="{2076456F-F47D-4F25-8053-2A695DA0CA7D}" type="datetimeFigureOut">
               <a:rPr lang="en-US" dirty="0"/>
-              <a:t>3/31/2022</a:t>
+              <a:t>4/1/2022</a:t>
             </a:fld>
             <a:endParaRPr lang="en-US" dirty="0"/>
           </a:p>
@@ -871,7 +876,7 @@
           </a:lstStyle>
           <a:p>
             <a:r>
-              <a:rPr lang="en-US" smtClean="0"/>
+              <a:rPr lang="en-US"/>
               <a:t>Click to edit Master title style</a:t>
             </a:r>
             <a:endParaRPr lang="en-US" dirty="0"/>
@@ -939,7 +944,7 @@
           <a:p>
             <a:pPr lvl="0"/>
             <a:r>
-              <a:rPr lang="en-US" smtClean="0"/>
+              <a:rPr lang="en-US"/>
               <a:t>Edit Master text styles</a:t>
             </a:r>
           </a:p>
@@ -1006,7 +1011,7 @@
           <a:p>
             <a:pPr lvl="0"/>
             <a:r>
-              <a:rPr lang="en-US" smtClean="0"/>
+              <a:rPr lang="en-US"/>
               <a:t>Edit Master text styles</a:t>
             </a:r>
           </a:p>
@@ -1029,7 +1034,7 @@
           <a:p>
             <a:fld id="{5D6C7379-69CC-4837-9905-BEBA22830C8A}" type="datetimeFigureOut">
               <a:rPr lang="en-US" dirty="0"/>
-              <a:t>3/31/2022</a:t>
+              <a:t>4/1/2022</a:t>
             </a:fld>
             <a:endParaRPr lang="en-US" dirty="0"/>
           </a:p>
@@ -1361,7 +1366,7 @@
           </a:lstStyle>
           <a:p>
             <a:r>
-              <a:rPr lang="en-US" smtClean="0"/>
+              <a:rPr lang="en-US"/>
               <a:t>Click to edit Master title style</a:t>
             </a:r>
             <a:endParaRPr lang="en-US" dirty="0"/>
@@ -1427,7 +1432,7 @@
           <a:p>
             <a:pPr lvl="0"/>
             <a:r>
-              <a:rPr lang="en-US" smtClean="0"/>
+              <a:rPr lang="en-US"/>
               <a:t>Edit Master text styles</a:t>
             </a:r>
           </a:p>
@@ -1450,7 +1455,7 @@
           <a:p>
             <a:fld id="{49EB8B7E-8AEE-4F10-BFEE-C999AD004D36}" type="datetimeFigureOut">
               <a:rPr lang="en-US" dirty="0"/>
-              <a:t>3/31/2022</a:t>
+              <a:t>4/1/2022</a:t>
             </a:fld>
             <a:endParaRPr lang="en-US" dirty="0"/>
           </a:p>
@@ -1544,7 +1549,7 @@
           <a:lstStyle/>
           <a:p>
             <a:r>
-              <a:rPr lang="en-US" smtClean="0"/>
+              <a:rPr lang="en-US"/>
               <a:t>Click to edit Master title style</a:t>
             </a:r>
             <a:endParaRPr lang="en-US" dirty="0"/>
@@ -1639,7 +1644,7 @@
           <a:p>
             <a:pPr lvl="0"/>
             <a:r>
-              <a:rPr lang="en-US" smtClean="0"/>
+              <a:rPr lang="en-US"/>
               <a:t>Edit Master text styles</a:t>
             </a:r>
           </a:p>
@@ -1706,7 +1711,7 @@
           <a:p>
             <a:pPr lvl="0"/>
             <a:r>
-              <a:rPr lang="en-US" smtClean="0"/>
+              <a:rPr lang="en-US"/>
               <a:t>Edit Master text styles</a:t>
             </a:r>
           </a:p>
@@ -1770,7 +1775,7 @@
               <a:buNone/>
             </a:pPr>
             <a:r>
-              <a:rPr lang="en-US" smtClean="0"/>
+              <a:rPr lang="en-US"/>
               <a:t>Edit Master text styles</a:t>
             </a:r>
           </a:p>
@@ -1837,7 +1842,7 @@
           <a:p>
             <a:pPr lvl="0"/>
             <a:r>
-              <a:rPr lang="en-US" smtClean="0"/>
+              <a:rPr lang="en-US"/>
               <a:t>Edit Master text styles</a:t>
             </a:r>
           </a:p>
@@ -1901,7 +1906,7 @@
               <a:buNone/>
             </a:pPr>
             <a:r>
-              <a:rPr lang="en-US" smtClean="0"/>
+              <a:rPr lang="en-US"/>
               <a:t>Edit Master text styles</a:t>
             </a:r>
           </a:p>
@@ -1968,7 +1973,7 @@
           <a:p>
             <a:pPr lvl="0"/>
             <a:r>
-              <a:rPr lang="en-US" smtClean="0"/>
+              <a:rPr lang="en-US"/>
               <a:t>Edit Master text styles</a:t>
             </a:r>
           </a:p>
@@ -1991,7 +1996,7 @@
           <a:p>
             <a:fld id="{8668F3F9-58BC-440B-B37B-805B9055EF92}" type="datetimeFigureOut">
               <a:rPr lang="en-US" dirty="0"/>
-              <a:t>3/31/2022</a:t>
+              <a:t>4/1/2022</a:t>
             </a:fld>
             <a:endParaRPr lang="en-US" dirty="0"/>
           </a:p>
@@ -2085,7 +2090,7 @@
           <a:lstStyle/>
           <a:p>
             <a:r>
-              <a:rPr lang="en-US" smtClean="0"/>
+              <a:rPr lang="en-US"/>
               <a:t>Click to edit Master title style</a:t>
             </a:r>
             <a:endParaRPr lang="en-US" dirty="0"/>
@@ -2176,7 +2181,7 @@
           <a:p>
             <a:pPr lvl="0"/>
             <a:r>
-              <a:rPr lang="en-US" smtClean="0"/>
+              <a:rPr lang="en-US"/>
               <a:t>Edit Master text styles</a:t>
             </a:r>
           </a:p>
@@ -2254,7 +2259,7 @@
           </a:lstStyle>
           <a:p>
             <a:r>
-              <a:rPr lang="en-US" smtClean="0"/>
+              <a:rPr lang="en-US"/>
               <a:t>Click icon to add picture</a:t>
             </a:r>
             <a:endParaRPr lang="en-US" dirty="0"/>
@@ -2322,7 +2327,7 @@
           <a:p>
             <a:pPr lvl="0"/>
             <a:r>
-              <a:rPr lang="en-US" smtClean="0"/>
+              <a:rPr lang="en-US"/>
               <a:t>Edit Master text styles</a:t>
             </a:r>
           </a:p>
@@ -2412,7 +2417,7 @@
           <a:p>
             <a:pPr lvl="0"/>
             <a:r>
-              <a:rPr lang="en-US" smtClean="0"/>
+              <a:rPr lang="en-US"/>
               <a:t>Edit Master text styles</a:t>
             </a:r>
           </a:p>
@@ -2490,7 +2495,7 @@
           </a:lstStyle>
           <a:p>
             <a:r>
-              <a:rPr lang="en-US" smtClean="0"/>
+              <a:rPr lang="en-US"/>
               <a:t>Click icon to add picture</a:t>
             </a:r>
             <a:endParaRPr lang="en-US" dirty="0"/>
@@ -2558,7 +2563,7 @@
           <a:p>
             <a:pPr lvl="0"/>
             <a:r>
-              <a:rPr lang="en-US" smtClean="0"/>
+              <a:rPr lang="en-US"/>
               <a:t>Edit Master text styles</a:t>
             </a:r>
           </a:p>
@@ -2648,7 +2653,7 @@
           <a:p>
             <a:pPr lvl="0"/>
             <a:r>
-              <a:rPr lang="en-US" smtClean="0"/>
+              <a:rPr lang="en-US"/>
               <a:t>Edit Master text styles</a:t>
             </a:r>
           </a:p>
@@ -2726,7 +2731,7 @@
           </a:lstStyle>
           <a:p>
             <a:r>
-              <a:rPr lang="en-US" smtClean="0"/>
+              <a:rPr lang="en-US"/>
               <a:t>Click icon to add picture</a:t>
             </a:r>
             <a:endParaRPr lang="en-US" dirty="0"/>
@@ -2794,7 +2799,7 @@
           <a:p>
             <a:pPr lvl="0"/>
             <a:r>
-              <a:rPr lang="en-US" smtClean="0"/>
+              <a:rPr lang="en-US"/>
               <a:t>Edit Master text styles</a:t>
             </a:r>
           </a:p>
@@ -2817,7 +2822,7 @@
           <a:p>
             <a:fld id="{0D5A53AF-48EA-489D-8260-9DCAB666386A}" type="datetimeFigureOut">
               <a:rPr lang="en-US" dirty="0"/>
-              <a:t>3/31/2022</a:t>
+              <a:t>4/1/2022</a:t>
             </a:fld>
             <a:endParaRPr lang="en-US" dirty="0"/>
           </a:p>
@@ -2906,7 +2911,7 @@
           <a:lstStyle/>
           <a:p>
             <a:r>
-              <a:rPr lang="en-US" smtClean="0"/>
+              <a:rPr lang="en-US"/>
               <a:t>Click to edit Master title style</a:t>
             </a:r>
             <a:endParaRPr lang="en-US" dirty="0"/>
@@ -2930,35 +2935,35 @@
           <a:p>
             <a:pPr lvl="0"/>
             <a:r>
-              <a:rPr lang="en-US" smtClean="0"/>
+              <a:rPr lang="en-US"/>
               <a:t>Edit Master text styles</a:t>
             </a:r>
           </a:p>
           <a:p>
             <a:pPr lvl="1"/>
             <a:r>
-              <a:rPr lang="en-US" smtClean="0"/>
+              <a:rPr lang="en-US"/>
               <a:t>Second level</a:t>
             </a:r>
           </a:p>
           <a:p>
             <a:pPr lvl="2"/>
             <a:r>
-              <a:rPr lang="en-US" smtClean="0"/>
+              <a:rPr lang="en-US"/>
               <a:t>Third level</a:t>
             </a:r>
           </a:p>
           <a:p>
             <a:pPr lvl="3"/>
             <a:r>
-              <a:rPr lang="en-US" smtClean="0"/>
+              <a:rPr lang="en-US"/>
               <a:t>Fourth level</a:t>
             </a:r>
           </a:p>
           <a:p>
             <a:pPr lvl="4"/>
             <a:r>
-              <a:rPr lang="en-US" smtClean="0"/>
+              <a:rPr lang="en-US"/>
               <a:t>Fifth level</a:t>
             </a:r>
             <a:endParaRPr lang="en-US" dirty="0"/>
@@ -2982,7 +2987,7 @@
           <a:p>
             <a:fld id="{0DED02AE-B9A4-47BD-AF8E-97E16144138B}" type="datetimeFigureOut">
               <a:rPr lang="en-US" dirty="0"/>
-              <a:t>3/31/2022</a:t>
+              <a:t>4/1/2022</a:t>
             </a:fld>
             <a:endParaRPr lang="en-US" dirty="0"/>
           </a:p>
@@ -3076,7 +3081,7 @@
           <a:lstStyle/>
           <a:p>
             <a:r>
-              <a:rPr lang="en-US" smtClean="0"/>
+              <a:rPr lang="en-US"/>
               <a:t>Click to edit Master title style</a:t>
             </a:r>
             <a:endParaRPr lang="en-US" dirty="0"/>
@@ -3105,35 +3110,35 @@
           <a:p>
             <a:pPr lvl="0"/>
             <a:r>
-              <a:rPr lang="en-US" smtClean="0"/>
+              <a:rPr lang="en-US"/>
               <a:t>Edit Master text styles</a:t>
             </a:r>
           </a:p>
           <a:p>
             <a:pPr lvl="1"/>
             <a:r>
-              <a:rPr lang="en-US" smtClean="0"/>
+              <a:rPr lang="en-US"/>
               <a:t>Second level</a:t>
             </a:r>
           </a:p>
           <a:p>
             <a:pPr lvl="2"/>
             <a:r>
-              <a:rPr lang="en-US" smtClean="0"/>
+              <a:rPr lang="en-US"/>
               <a:t>Third level</a:t>
             </a:r>
           </a:p>
           <a:p>
             <a:pPr lvl="3"/>
             <a:r>
-              <a:rPr lang="en-US" smtClean="0"/>
+              <a:rPr lang="en-US"/>
               <a:t>Fourth level</a:t>
             </a:r>
           </a:p>
           <a:p>
             <a:pPr lvl="4"/>
             <a:r>
-              <a:rPr lang="en-US" smtClean="0"/>
+              <a:rPr lang="en-US"/>
               <a:t>Fifth level</a:t>
             </a:r>
             <a:endParaRPr lang="en-US" dirty="0"/>
@@ -3157,7 +3162,7 @@
           <a:p>
             <a:fld id="{CF0FD78B-DB02-4362-BCDC-98A55456977C}" type="datetimeFigureOut">
               <a:rPr lang="en-US" dirty="0"/>
-              <a:t>3/31/2022</a:t>
+              <a:t>4/1/2022</a:t>
             </a:fld>
             <a:endParaRPr lang="en-US" dirty="0"/>
           </a:p>
@@ -3246,7 +3251,7 @@
           <a:lstStyle/>
           <a:p>
             <a:r>
-              <a:rPr lang="en-US" smtClean="0"/>
+              <a:rPr lang="en-US"/>
               <a:t>Click to edit Master title style</a:t>
             </a:r>
             <a:endParaRPr lang="en-US" dirty="0"/>
@@ -3270,35 +3275,35 @@
           <a:p>
             <a:pPr lvl="0"/>
             <a:r>
-              <a:rPr lang="en-US" smtClean="0"/>
+              <a:rPr lang="en-US"/>
               <a:t>Edit Master text styles</a:t>
             </a:r>
           </a:p>
           <a:p>
             <a:pPr lvl="1"/>
             <a:r>
-              <a:rPr lang="en-US" smtClean="0"/>
+              <a:rPr lang="en-US"/>
               <a:t>Second level</a:t>
             </a:r>
           </a:p>
           <a:p>
             <a:pPr lvl="2"/>
             <a:r>
-              <a:rPr lang="en-US" smtClean="0"/>
+              <a:rPr lang="en-US"/>
               <a:t>Third level</a:t>
             </a:r>
           </a:p>
           <a:p>
             <a:pPr lvl="3"/>
             <a:r>
-              <a:rPr lang="en-US" smtClean="0"/>
+              <a:rPr lang="en-US"/>
               <a:t>Fourth level</a:t>
             </a:r>
           </a:p>
           <a:p>
             <a:pPr lvl="4"/>
             <a:r>
-              <a:rPr lang="en-US" smtClean="0"/>
+              <a:rPr lang="en-US"/>
               <a:t>Fifth level</a:t>
             </a:r>
             <a:endParaRPr lang="en-US" dirty="0"/>
@@ -3322,7 +3327,7 @@
           <a:p>
             <a:fld id="{99916976-5D93-46E4-A98A-FAD63E4D0EA8}" type="datetimeFigureOut">
               <a:rPr lang="en-US" dirty="0"/>
-              <a:t>3/31/2022</a:t>
+              <a:t>4/1/2022</a:t>
             </a:fld>
             <a:endParaRPr lang="en-US" dirty="0"/>
           </a:p>
@@ -3454,7 +3459,7 @@
           </a:lstStyle>
           <a:p>
             <a:r>
-              <a:rPr lang="en-US" smtClean="0"/>
+              <a:rPr lang="en-US"/>
               <a:t>Click to edit Master title style</a:t>
             </a:r>
             <a:endParaRPr lang="en-US" dirty="0"/>
@@ -3550,7 +3555,7 @@
           </a:lstStyle>
           <a:p>
             <a:r>
-              <a:rPr lang="en-US" smtClean="0"/>
+              <a:rPr lang="en-US"/>
               <a:t>Click to edit Master subtitle style</a:t>
             </a:r>
             <a:endParaRPr lang="en-US" dirty="0"/>
@@ -3574,7 +3579,7 @@
           <a:p>
             <a:fld id="{0F39F4F5-F4D2-4D2A-AB60-88D37ADCB869}" type="datetimeFigureOut">
               <a:rPr lang="en-US" dirty="0"/>
-              <a:t>3/31/2022</a:t>
+              <a:t>4/1/2022</a:t>
             </a:fld>
             <a:endParaRPr lang="en-US" dirty="0"/>
           </a:p>
@@ -3663,7 +3668,7 @@
           <a:lstStyle/>
           <a:p>
             <a:r>
-              <a:rPr lang="en-US" smtClean="0"/>
+              <a:rPr lang="en-US"/>
               <a:t>Click to edit Master title style</a:t>
             </a:r>
             <a:endParaRPr lang="en-US" dirty="0"/>
@@ -3692,35 +3697,35 @@
           <a:p>
             <a:pPr lvl="0"/>
             <a:r>
-              <a:rPr lang="en-US" smtClean="0"/>
+              <a:rPr lang="en-US"/>
               <a:t>Edit Master text styles</a:t>
             </a:r>
           </a:p>
           <a:p>
             <a:pPr lvl="1"/>
             <a:r>
-              <a:rPr lang="en-US" smtClean="0"/>
+              <a:rPr lang="en-US"/>
               <a:t>Second level</a:t>
             </a:r>
           </a:p>
           <a:p>
             <a:pPr lvl="2"/>
             <a:r>
-              <a:rPr lang="en-US" smtClean="0"/>
+              <a:rPr lang="en-US"/>
               <a:t>Third level</a:t>
             </a:r>
           </a:p>
           <a:p>
             <a:pPr lvl="3"/>
             <a:r>
-              <a:rPr lang="en-US" smtClean="0"/>
+              <a:rPr lang="en-US"/>
               <a:t>Fourth level</a:t>
             </a:r>
           </a:p>
           <a:p>
             <a:pPr lvl="4"/>
             <a:r>
-              <a:rPr lang="en-US" smtClean="0"/>
+              <a:rPr lang="en-US"/>
               <a:t>Fifth level</a:t>
             </a:r>
             <a:endParaRPr lang="en-US" dirty="0"/>
@@ -3749,35 +3754,35 @@
           <a:p>
             <a:pPr lvl="0"/>
             <a:r>
-              <a:rPr lang="en-US" smtClean="0"/>
+              <a:rPr lang="en-US"/>
               <a:t>Edit Master text styles</a:t>
             </a:r>
           </a:p>
           <a:p>
             <a:pPr lvl="1"/>
             <a:r>
-              <a:rPr lang="en-US" smtClean="0"/>
+              <a:rPr lang="en-US"/>
               <a:t>Second level</a:t>
             </a:r>
           </a:p>
           <a:p>
             <a:pPr lvl="2"/>
             <a:r>
-              <a:rPr lang="en-US" smtClean="0"/>
+              <a:rPr lang="en-US"/>
               <a:t>Third level</a:t>
             </a:r>
           </a:p>
           <a:p>
             <a:pPr lvl="3"/>
             <a:r>
-              <a:rPr lang="en-US" smtClean="0"/>
+              <a:rPr lang="en-US"/>
               <a:t>Fourth level</a:t>
             </a:r>
           </a:p>
           <a:p>
             <a:pPr lvl="4"/>
             <a:r>
-              <a:rPr lang="en-US" smtClean="0"/>
+              <a:rPr lang="en-US"/>
               <a:t>Fifth level</a:t>
             </a:r>
             <a:endParaRPr lang="en-US" dirty="0"/>
@@ -3801,7 +3806,7 @@
           <a:p>
             <a:fld id="{D23BC6CE-6D1E-47E5-8859-F31AC5380EB2}" type="datetimeFigureOut">
               <a:rPr lang="en-US" dirty="0"/>
-              <a:t>3/31/2022</a:t>
+              <a:t>4/1/2022</a:t>
             </a:fld>
             <a:endParaRPr lang="en-US" dirty="0"/>
           </a:p>
@@ -3895,7 +3900,7 @@
           <a:lstStyle/>
           <a:p>
             <a:r>
-              <a:rPr lang="en-US" smtClean="0"/>
+              <a:rPr lang="en-US"/>
               <a:t>Click to edit Master title style</a:t>
             </a:r>
             <a:endParaRPr lang="en-US" dirty="0"/>
@@ -3988,7 +3993,7 @@
           <a:p>
             <a:pPr lvl="0"/>
             <a:r>
-              <a:rPr lang="en-US" smtClean="0"/>
+              <a:rPr lang="en-US"/>
               <a:t>Edit Master text styles</a:t>
             </a:r>
           </a:p>
@@ -4016,35 +4021,35 @@
           <a:p>
             <a:pPr lvl="0"/>
             <a:r>
-              <a:rPr lang="en-US" smtClean="0"/>
+              <a:rPr lang="en-US"/>
               <a:t>Edit Master text styles</a:t>
             </a:r>
           </a:p>
           <a:p>
             <a:pPr lvl="1"/>
             <a:r>
-              <a:rPr lang="en-US" smtClean="0"/>
+              <a:rPr lang="en-US"/>
               <a:t>Second level</a:t>
             </a:r>
           </a:p>
           <a:p>
             <a:pPr lvl="2"/>
             <a:r>
-              <a:rPr lang="en-US" smtClean="0"/>
+              <a:rPr lang="en-US"/>
               <a:t>Third level</a:t>
             </a:r>
           </a:p>
           <a:p>
             <a:pPr lvl="3"/>
             <a:r>
-              <a:rPr lang="en-US" smtClean="0"/>
+              <a:rPr lang="en-US"/>
               <a:t>Fourth level</a:t>
             </a:r>
           </a:p>
           <a:p>
             <a:pPr lvl="4"/>
             <a:r>
-              <a:rPr lang="en-US" smtClean="0"/>
+              <a:rPr lang="en-US"/>
               <a:t>Fifth level</a:t>
             </a:r>
             <a:endParaRPr lang="en-US" dirty="0"/>
@@ -4109,7 +4114,7 @@
               <a:buNone/>
             </a:pPr>
             <a:r>
-              <a:rPr lang="en-US" smtClean="0"/>
+              <a:rPr lang="en-US"/>
               <a:t>Edit Master text styles</a:t>
             </a:r>
           </a:p>
@@ -4137,35 +4142,35 @@
           <a:p>
             <a:pPr lvl="0"/>
             <a:r>
-              <a:rPr lang="en-US" smtClean="0"/>
+              <a:rPr lang="en-US"/>
               <a:t>Edit Master text styles</a:t>
             </a:r>
           </a:p>
           <a:p>
             <a:pPr lvl="1"/>
             <a:r>
-              <a:rPr lang="en-US" smtClean="0"/>
+              <a:rPr lang="en-US"/>
               <a:t>Second level</a:t>
             </a:r>
           </a:p>
           <a:p>
             <a:pPr lvl="2"/>
             <a:r>
-              <a:rPr lang="en-US" smtClean="0"/>
+              <a:rPr lang="en-US"/>
               <a:t>Third level</a:t>
             </a:r>
           </a:p>
           <a:p>
             <a:pPr lvl="3"/>
             <a:r>
-              <a:rPr lang="en-US" smtClean="0"/>
+              <a:rPr lang="en-US"/>
               <a:t>Fourth level</a:t>
             </a:r>
           </a:p>
           <a:p>
             <a:pPr lvl="4"/>
             <a:r>
-              <a:rPr lang="en-US" smtClean="0"/>
+              <a:rPr lang="en-US"/>
               <a:t>Fifth level</a:t>
             </a:r>
             <a:endParaRPr lang="en-US" dirty="0"/>
@@ -4189,7 +4194,7 @@
           <a:p>
             <a:fld id="{B1B4E7C4-4DA4-404D-9965-B13F2DD7D8BF}" type="datetimeFigureOut">
               <a:rPr lang="en-US" dirty="0"/>
-              <a:t>3/31/2022</a:t>
+              <a:t>4/1/2022</a:t>
             </a:fld>
             <a:endParaRPr lang="en-US" dirty="0"/>
           </a:p>
@@ -4278,7 +4283,7 @@
           <a:lstStyle/>
           <a:p>
             <a:r>
-              <a:rPr lang="en-US" smtClean="0"/>
+              <a:rPr lang="en-US"/>
               <a:t>Click to edit Master title style</a:t>
             </a:r>
             <a:endParaRPr lang="en-US" dirty="0"/>
@@ -4302,7 +4307,7 @@
           <a:p>
             <a:fld id="{476FB7AA-4A53-424F-AD41-70827B6504BA}" type="datetimeFigureOut">
               <a:rPr lang="en-US" dirty="0"/>
-              <a:t>3/31/2022</a:t>
+              <a:t>4/1/2022</a:t>
             </a:fld>
             <a:endParaRPr lang="en-US" dirty="0"/>
           </a:p>
@@ -4392,7 +4397,7 @@
           <a:p>
             <a:fld id="{E7884882-FB12-4BC8-9960-9AD8104D7FAE}" type="datetimeFigureOut">
               <a:rPr lang="en-US" dirty="0"/>
-              <a:t>3/31/2022</a:t>
+              <a:t>4/1/2022</a:t>
             </a:fld>
             <a:endParaRPr lang="en-US" dirty="0"/>
           </a:p>
@@ -4490,7 +4495,7 @@
           </a:lstStyle>
           <a:p>
             <a:r>
-              <a:rPr lang="en-US" smtClean="0"/>
+              <a:rPr lang="en-US"/>
               <a:t>Click to edit Master title style</a:t>
             </a:r>
             <a:endParaRPr lang="en-US" dirty="0"/>
@@ -4519,35 +4524,35 @@
           <a:p>
             <a:pPr lvl="0"/>
             <a:r>
-              <a:rPr lang="en-US" smtClean="0"/>
+              <a:rPr lang="en-US"/>
               <a:t>Edit Master text styles</a:t>
             </a:r>
           </a:p>
           <a:p>
             <a:pPr lvl="1"/>
             <a:r>
-              <a:rPr lang="en-US" smtClean="0"/>
+              <a:rPr lang="en-US"/>
               <a:t>Second level</a:t>
             </a:r>
           </a:p>
           <a:p>
             <a:pPr lvl="2"/>
             <a:r>
-              <a:rPr lang="en-US" smtClean="0"/>
+              <a:rPr lang="en-US"/>
               <a:t>Third level</a:t>
             </a:r>
           </a:p>
           <a:p>
             <a:pPr lvl="3"/>
             <a:r>
-              <a:rPr lang="en-US" smtClean="0"/>
+              <a:rPr lang="en-US"/>
               <a:t>Fourth level</a:t>
             </a:r>
           </a:p>
           <a:p>
             <a:pPr lvl="4"/>
             <a:r>
-              <a:rPr lang="en-US" smtClean="0"/>
+              <a:rPr lang="en-US"/>
               <a:t>Fifth level</a:t>
             </a:r>
             <a:endParaRPr lang="en-US" dirty="0"/>
@@ -4637,7 +4642,7 @@
           <a:p>
             <a:pPr lvl="0"/>
             <a:r>
-              <a:rPr lang="en-US" smtClean="0"/>
+              <a:rPr lang="en-US"/>
               <a:t>Edit Master text styles</a:t>
             </a:r>
           </a:p>
@@ -4660,7 +4665,7 @@
           <a:p>
             <a:fld id="{F7D1BD23-6E54-4D9D-AD88-A2813C73CC25}" type="datetimeFigureOut">
               <a:rPr lang="en-US" dirty="0"/>
-              <a:t>3/31/2022</a:t>
+              <a:t>4/1/2022</a:t>
             </a:fld>
             <a:endParaRPr lang="en-US" dirty="0"/>
           </a:p>
@@ -4758,7 +4763,7 @@
           </a:lstStyle>
           <a:p>
             <a:r>
-              <a:rPr lang="en-US" smtClean="0"/>
+              <a:rPr lang="en-US"/>
               <a:t>Click to edit Master title style</a:t>
             </a:r>
             <a:endParaRPr lang="en-US" dirty="0"/>
@@ -4823,7 +4828,7 @@
           </a:lstStyle>
           <a:p>
             <a:r>
-              <a:rPr lang="en-US" smtClean="0"/>
+              <a:rPr lang="en-US"/>
               <a:t>Click icon to add picture</a:t>
             </a:r>
             <a:endParaRPr lang="en-US" dirty="0"/>
@@ -4913,7 +4918,7 @@
           <a:p>
             <a:pPr lvl="0"/>
             <a:r>
-              <a:rPr lang="en-US" smtClean="0"/>
+              <a:rPr lang="en-US"/>
               <a:t>Edit Master text styles</a:t>
             </a:r>
           </a:p>
@@ -4936,7 +4941,7 @@
           <a:p>
             <a:fld id="{1471A834-4F3C-4AF9-9C74-05EC35A0F292}" type="datetimeFigureOut">
               <a:rPr lang="en-US" dirty="0"/>
-              <a:t>3/31/2022</a:t>
+              <a:t>4/1/2022</a:t>
             </a:fld>
             <a:endParaRPr lang="en-US" dirty="0"/>
           </a:p>
@@ -5049,7 +5054,7 @@
           <a:lstStyle/>
           <a:p>
             <a:r>
-              <a:rPr lang="en-US" smtClean="0"/>
+              <a:rPr lang="en-US"/>
               <a:t>Click to edit Master title style</a:t>
             </a:r>
             <a:endParaRPr lang="en-US" dirty="0"/>
@@ -5083,35 +5088,35 @@
           <a:p>
             <a:pPr lvl="0"/>
             <a:r>
-              <a:rPr lang="en-US" smtClean="0"/>
+              <a:rPr lang="en-US"/>
               <a:t>Edit Master text styles</a:t>
             </a:r>
           </a:p>
           <a:p>
             <a:pPr lvl="1"/>
             <a:r>
-              <a:rPr lang="en-US" smtClean="0"/>
+              <a:rPr lang="en-US"/>
               <a:t>Second level</a:t>
             </a:r>
           </a:p>
           <a:p>
             <a:pPr lvl="2"/>
             <a:r>
-              <a:rPr lang="en-US" smtClean="0"/>
+              <a:rPr lang="en-US"/>
               <a:t>Third level</a:t>
             </a:r>
           </a:p>
           <a:p>
             <a:pPr lvl="3"/>
             <a:r>
-              <a:rPr lang="en-US" smtClean="0"/>
+              <a:rPr lang="en-US"/>
               <a:t>Fourth level</a:t>
             </a:r>
           </a:p>
           <a:p>
             <a:pPr lvl="4"/>
             <a:r>
-              <a:rPr lang="en-US" smtClean="0"/>
+              <a:rPr lang="en-US"/>
               <a:t>Fifth level</a:t>
             </a:r>
             <a:endParaRPr lang="en-US" dirty="0"/>
@@ -5171,7 +5176,7 @@
           <a:p>
             <a:fld id="{51CF1133-3259-4C45-BABA-5B62D9C6F78D}" type="datetimeFigureOut">
               <a:rPr lang="en-US" dirty="0"/>
-              <a:t>3/31/2022</a:t>
+              <a:t>4/1/2022</a:t>
             </a:fld>
             <a:endParaRPr lang="en-US" dirty="0"/>
           </a:p>
@@ -5753,11 +5758,11 @@
           <a:lstStyle/>
           <a:p>
             <a:r>
-              <a:rPr lang="en-GB" dirty="0" smtClean="0"/>
+              <a:rPr lang="en-GB" dirty="0"/>
               <a:t>Dear Dr/Revd?</a:t>
             </a:r>
             <a:br>
-              <a:rPr lang="en-GB" dirty="0" smtClean="0"/>
+              <a:rPr lang="en-GB" dirty="0"/>
             </a:br>
             <a:endParaRPr lang="en-GB" dirty="0"/>
           </a:p>
@@ -5786,21 +5791,17 @@
           <a:lstStyle/>
           <a:p>
             <a:r>
-              <a:rPr lang="en-GB" sz="2800" dirty="0" smtClean="0"/>
+              <a:rPr lang="en-GB" sz="2800" dirty="0"/>
               <a:t>Predicting the gender &amp; occupation of Darwin’s correspondents</a:t>
             </a:r>
             <a:br>
-              <a:rPr lang="en-GB" sz="2800" dirty="0" smtClean="0"/>
+              <a:rPr lang="en-GB" sz="2800" dirty="0"/>
             </a:br>
-            <a:r>
-              <a:rPr lang="en-GB" sz="2800" dirty="0" smtClean="0"/>
-              <a:t/>
-            </a:r>
             <a:br>
-              <a:rPr lang="en-GB" sz="2800" dirty="0" smtClean="0"/>
+              <a:rPr lang="en-GB" sz="2800" dirty="0"/>
             </a:br>
             <a:r>
-              <a:rPr lang="en-GB" sz="2800" dirty="0" err="1" smtClean="0">
+              <a:rPr lang="en-GB" sz="2800" dirty="0" err="1">
                 <a:solidFill>
                   <a:schemeClr val="tx1">
                     <a:lumMod val="95000"/>
@@ -5810,7 +5811,7 @@
               <a:t>Shivani</a:t>
             </a:r>
             <a:r>
-              <a:rPr lang="en-GB" sz="2800" dirty="0" smtClean="0">
+              <a:rPr lang="en-GB" sz="2800" dirty="0">
                 <a:solidFill>
                   <a:schemeClr val="tx1">
                     <a:lumMod val="95000"/>
@@ -5819,12 +5820,8 @@
               </a:rPr>
               <a:t> Aggarwal | Megan Briers | Tom Harris | Jason Wood</a:t>
             </a:r>
-            <a:r>
-              <a:rPr lang="en-GB" dirty="0" smtClean="0"/>
-              <a:t/>
-            </a:r>
             <a:br>
-              <a:rPr lang="en-GB" dirty="0" smtClean="0"/>
+              <a:rPr lang="en-GB" dirty="0"/>
             </a:br>
             <a:endParaRPr lang="en-GB" dirty="0"/>
           </a:p>
@@ -5899,11 +5896,11 @@
           </a:lstStyle>
           <a:p>
             <a:r>
-              <a:rPr lang="en-GB" sz="8800" dirty="0" smtClean="0"/>
+              <a:rPr lang="en-GB" sz="8800" dirty="0"/>
               <a:t>Dear Mr/Mrs?</a:t>
             </a:r>
             <a:br>
-              <a:rPr lang="en-GB" sz="8800" dirty="0" smtClean="0"/>
+              <a:rPr lang="en-GB" sz="8800" dirty="0"/>
             </a:br>
             <a:endParaRPr lang="en-GB" sz="8800" dirty="0"/>
           </a:p>
@@ -5955,10 +5952,9 @@
           <a:lstStyle/>
           <a:p>
             <a:r>
-              <a:rPr lang="en-GB" dirty="0" smtClean="0"/>
+              <a:rPr lang="en-GB" dirty="0"/>
               <a:t>Problem</a:t>
             </a:r>
-            <a:endParaRPr lang="en-GB" dirty="0"/>
           </a:p>
         </p:txBody>
       </p:sp>
@@ -5985,34 +5981,33 @@
           <a:lstStyle/>
           <a:p>
             <a:r>
-              <a:rPr lang="en-GB" dirty="0" smtClean="0"/>
+              <a:rPr lang="en-GB" dirty="0"/>
               <a:t>Our core question is: </a:t>
             </a:r>
             <a:r>
-              <a:rPr lang="en-GB" b="1" dirty="0" smtClean="0"/>
+              <a:rPr lang="en-GB" b="1" dirty="0"/>
               <a:t>how much can we tell about who Darwin is writing to just from the languages he uses?</a:t>
             </a:r>
             <a:br>
-              <a:rPr lang="en-GB" b="1" dirty="0" smtClean="0"/>
+              <a:rPr lang="en-GB" b="1" dirty="0"/>
             </a:br>
-            <a:endParaRPr lang="en-GB" b="1" dirty="0" smtClean="0"/>
-          </a:p>
-          <a:p>
-            <a:r>
-              <a:rPr lang="en-GB" dirty="0" smtClean="0"/>
+            <a:endParaRPr lang="en-GB" b="1" dirty="0"/>
+          </a:p>
+          <a:p>
+            <a:r>
+              <a:rPr lang="en-GB" dirty="0"/>
               <a:t>Many letters in the correspondence have missing information about the recipient. We are interested in building a tool to predict this information to assist the work of Editors in assessing unclassified and newly discovered letters.</a:t>
             </a:r>
             <a:br>
-              <a:rPr lang="en-GB" dirty="0" smtClean="0"/>
+              <a:rPr lang="en-GB" dirty="0"/>
             </a:br>
-            <a:endParaRPr lang="en-GB" dirty="0" smtClean="0"/>
-          </a:p>
-          <a:p>
-            <a:r>
-              <a:rPr lang="en-GB" dirty="0" smtClean="0"/>
+            <a:endParaRPr lang="en-GB" dirty="0"/>
+          </a:p>
+          <a:p>
+            <a:r>
+              <a:rPr lang="en-GB" dirty="0"/>
               <a:t>We looked at two kinds of information: the recipient’s sex and their occupation. </a:t>
             </a:r>
-            <a:endParaRPr lang="en-GB" dirty="0"/>
           </a:p>
         </p:txBody>
       </p:sp>
@@ -6062,10 +6057,9 @@
           <a:lstStyle/>
           <a:p>
             <a:r>
-              <a:rPr lang="en-GB" dirty="0" smtClean="0"/>
+              <a:rPr lang="en-GB" dirty="0"/>
               <a:t>Methodology</a:t>
             </a:r>
-            <a:endParaRPr lang="en-GB" dirty="0"/>
           </a:p>
         </p:txBody>
       </p:sp>
@@ -6092,35 +6086,35 @@
           <a:lstStyle/>
           <a:p>
             <a:r>
-              <a:rPr lang="en-GB" dirty="0" smtClean="0"/>
+              <a:rPr lang="en-GB" dirty="0"/>
               <a:t>We use a simple natural language processing model to represent each letter as a vector recording which of Darwin’s most commonly used 5000 words  feature in the letter.</a:t>
             </a:r>
             <a:br>
-              <a:rPr lang="en-GB" dirty="0" smtClean="0"/>
+              <a:rPr lang="en-GB" dirty="0"/>
             </a:br>
-            <a:endParaRPr lang="en-GB" dirty="0" smtClean="0"/>
-          </a:p>
-          <a:p>
-            <a:r>
-              <a:rPr lang="en-GB" dirty="0" smtClean="0"/>
+            <a:endParaRPr lang="en-GB" dirty="0"/>
+          </a:p>
+          <a:p>
+            <a:r>
+              <a:rPr lang="en-GB" dirty="0"/>
               <a:t>We extract the recipients’ sex and occupations, where they are given, from the </a:t>
             </a:r>
             <a:r>
-              <a:rPr lang="en-GB" dirty="0" err="1" smtClean="0"/>
+              <a:rPr lang="en-GB" dirty="0" err="1"/>
               <a:t>nameregs</a:t>
             </a:r>
             <a:r>
-              <a:rPr lang="en-GB" dirty="0" smtClean="0"/>
+              <a:rPr lang="en-GB" dirty="0"/>
               <a:t> files and match them with the letter vectors to make a labelled dataset. </a:t>
             </a:r>
             <a:br>
-              <a:rPr lang="en-GB" dirty="0" smtClean="0"/>
+              <a:rPr lang="en-GB" dirty="0"/>
             </a:br>
-            <a:endParaRPr lang="en-GB" dirty="0" smtClean="0"/>
-          </a:p>
-          <a:p>
-            <a:r>
-              <a:rPr lang="en-GB" dirty="0" smtClean="0"/>
+            <a:endParaRPr lang="en-GB" dirty="0"/>
+          </a:p>
+          <a:p>
+            <a:r>
+              <a:rPr lang="en-GB" dirty="0"/>
               <a:t>We then fit simple machine learning models to the labelled data, assess their accuracy, and make predictions on letters where the sex and occupation information is unavailable. </a:t>
             </a:r>
           </a:p>
@@ -6172,10 +6166,9 @@
           <a:lstStyle/>
           <a:p>
             <a:r>
-              <a:rPr lang="en-GB" dirty="0" smtClean="0"/>
+              <a:rPr lang="en-GB" dirty="0"/>
               <a:t>Sex – Dear Mr/Mrs</a:t>
             </a:r>
-            <a:endParaRPr lang="en-GB" dirty="0"/>
           </a:p>
         </p:txBody>
       </p:sp>
@@ -6202,33 +6195,90 @@
           <a:lstStyle/>
           <a:p>
             <a:r>
-              <a:rPr lang="en-GB" dirty="0" smtClean="0"/>
+              <a:rPr lang="en-GB" dirty="0"/>
               <a:t>Predicting the sex is a warm-up exercise for harder prediction questions.</a:t>
             </a:r>
             <a:br>
-              <a:rPr lang="en-GB" dirty="0" smtClean="0"/>
+              <a:rPr lang="en-GB" dirty="0"/>
             </a:br>
-            <a:endParaRPr lang="en-GB" dirty="0" smtClean="0"/>
-          </a:p>
-          <a:p>
-            <a:r>
-              <a:rPr lang="en-GB" dirty="0" smtClean="0"/>
+            <a:endParaRPr lang="en-GB" dirty="0"/>
+          </a:p>
+          <a:p>
+            <a:r>
+              <a:rPr lang="en-GB" dirty="0"/>
               <a:t>We can predict the sex of Darwin’s recipient with 95% accuracy … but 95% of Darwin‘s recipients are men!</a:t>
             </a:r>
             <a:br>
-              <a:rPr lang="en-GB" dirty="0" smtClean="0"/>
+              <a:rPr lang="en-GB" dirty="0"/>
             </a:br>
-            <a:endParaRPr lang="en-GB" dirty="0" smtClean="0"/>
-          </a:p>
-          <a:p>
-            <a:r>
-              <a:rPr lang="en-GB" dirty="0" smtClean="0"/>
+            <a:endParaRPr lang="en-GB" dirty="0"/>
+          </a:p>
+          <a:p>
+            <a:r>
+              <a:rPr lang="en-GB" dirty="0"/>
               <a:t>Our model doesn’t always guess the recipient is a man, but it’s hard to beat that assumption on accuracy.</a:t>
             </a:r>
-            <a:endParaRPr lang="en-GB" dirty="0"/>
-          </a:p>
-        </p:txBody>
-      </p:sp>
+          </a:p>
+        </p:txBody>
+      </p:sp>
+      <p:pic>
+        <p:nvPicPr>
+          <p:cNvPr id="5" name="Picture 4">
+            <a:extLst>
+              <a:ext uri="{FF2B5EF4-FFF2-40B4-BE49-F238E27FC236}">
+                <a16:creationId xmlns:a16="http://schemas.microsoft.com/office/drawing/2014/main" id="{7ADE942A-00E7-45C4-9F0E-F21330E8456C}"/>
+              </a:ext>
+            </a:extLst>
+          </p:cNvPr>
+          <p:cNvPicPr>
+            <a:picLocks noChangeAspect="1"/>
+          </p:cNvPicPr>
+          <p:nvPr/>
+        </p:nvPicPr>
+        <p:blipFill rotWithShape="1">
+          <a:blip r:embed="rId2"/>
+          <a:srcRect l="21622" t="10357" r="14223" b="14232"/>
+          <a:stretch/>
+        </p:blipFill>
+        <p:spPr>
+          <a:xfrm>
+            <a:off x="8275783" y="145772"/>
+            <a:ext cx="3397306" cy="2994993"/>
+          </a:xfrm>
+          <a:prstGeom prst="rect">
+            <a:avLst/>
+          </a:prstGeom>
+        </p:spPr>
+      </p:pic>
+      <p:pic>
+        <p:nvPicPr>
+          <p:cNvPr id="7" name="Picture 6">
+            <a:extLst>
+              <a:ext uri="{FF2B5EF4-FFF2-40B4-BE49-F238E27FC236}">
+                <a16:creationId xmlns:a16="http://schemas.microsoft.com/office/drawing/2014/main" id="{DD971D4B-9A7F-4A32-9490-451DCBA53AAE}"/>
+              </a:ext>
+            </a:extLst>
+          </p:cNvPr>
+          <p:cNvPicPr>
+            <a:picLocks noChangeAspect="1"/>
+          </p:cNvPicPr>
+          <p:nvPr/>
+        </p:nvPicPr>
+        <p:blipFill rotWithShape="1">
+          <a:blip r:embed="rId3"/>
+          <a:srcRect l="20154" t="4827" r="14242" b="12692"/>
+          <a:stretch/>
+        </p:blipFill>
+        <p:spPr>
+          <a:xfrm>
+            <a:off x="8275782" y="3489322"/>
+            <a:ext cx="3438243" cy="3242089"/>
+          </a:xfrm>
+          <a:prstGeom prst="rect">
+            <a:avLst/>
+          </a:prstGeom>
+        </p:spPr>
+      </p:pic>
     </p:spTree>
     <p:extLst>
       <p:ext uri="{BB962C8B-B14F-4D97-AF65-F5344CB8AC3E}">
@@ -6275,10 +6325,9 @@
           <a:lstStyle/>
           <a:p>
             <a:r>
-              <a:rPr lang="en-GB" dirty="0" smtClean="0"/>
+              <a:rPr lang="en-GB" dirty="0"/>
               <a:t>Occupation – Dear Dr/Revd</a:t>
             </a:r>
-            <a:endParaRPr lang="en-GB" dirty="0"/>
           </a:p>
         </p:txBody>
       </p:sp>
@@ -6303,33 +6352,33 @@
           <a:lstStyle/>
           <a:p>
             <a:r>
-              <a:rPr lang="en-GB" dirty="0" smtClean="0"/>
+              <a:rPr lang="en-GB" dirty="0"/>
               <a:t>Our framework for sex inference can be readily adapted for occupation inference.</a:t>
             </a:r>
             <a:br>
-              <a:rPr lang="en-GB" dirty="0" smtClean="0"/>
+              <a:rPr lang="en-GB" dirty="0"/>
             </a:br>
-            <a:endParaRPr lang="en-GB" dirty="0" smtClean="0"/>
-          </a:p>
-          <a:p>
-            <a:r>
-              <a:rPr lang="en-GB" dirty="0" smtClean="0"/>
+            <a:endParaRPr lang="en-GB" dirty="0"/>
+          </a:p>
+          <a:p>
+            <a:r>
+              <a:rPr lang="en-GB" dirty="0"/>
               <a:t>Occupation is not systematically recorded in the data. We remediate this by focussing on the most common occupations only.</a:t>
             </a:r>
             <a:br>
-              <a:rPr lang="en-GB" dirty="0" smtClean="0"/>
+              <a:rPr lang="en-GB" dirty="0"/>
             </a:br>
-            <a:endParaRPr lang="en-GB" dirty="0" smtClean="0"/>
-          </a:p>
-          <a:p>
-            <a:r>
-              <a:rPr lang="en-GB" dirty="0" smtClean="0"/>
+            <a:endParaRPr lang="en-GB" dirty="0"/>
+          </a:p>
+          <a:p>
+            <a:r>
+              <a:rPr lang="en-GB" dirty="0"/>
               <a:t>We can generate a list of likely candidate occupations for each letter.</a:t>
             </a:r>
             <a:br>
-              <a:rPr lang="en-GB" dirty="0" smtClean="0"/>
+              <a:rPr lang="en-GB" dirty="0"/>
             </a:br>
-            <a:endParaRPr lang="en-GB" dirty="0" smtClean="0"/>
+            <a:endParaRPr lang="en-GB" dirty="0"/>
           </a:p>
           <a:p>
             <a:endParaRPr lang="en-GB" dirty="0"/>
@@ -6406,53 +6455,52 @@
           <a:lstStyle/>
           <a:p>
             <a:r>
-              <a:rPr lang="en-GB" dirty="0" smtClean="0"/>
+              <a:rPr lang="en-GB" dirty="0"/>
               <a:t>Conclusions</a:t>
             </a:r>
+          </a:p>
+        </p:txBody>
+      </p:sp>
+      <p:sp>
+        <p:nvSpPr>
+          <p:cNvPr id="3" name="Content Placeholder 2"/>
+          <p:cNvSpPr>
+            <a:spLocks noGrp="1"/>
+          </p:cNvSpPr>
+          <p:nvPr>
+            <p:ph idx="1"/>
+          </p:nvPr>
+        </p:nvSpPr>
+        <p:spPr/>
+        <p:txBody>
+          <a:bodyPr/>
+          <a:lstStyle/>
+          <a:p>
+            <a:r>
+              <a:rPr lang="en-GB" dirty="0"/>
+              <a:t>Sex prediction can be done relatively accurately (without just assuming the correspondent is a man).</a:t>
+            </a:r>
+            <a:br>
+              <a:rPr lang="en-GB" dirty="0"/>
+            </a:br>
             <a:endParaRPr lang="en-GB" dirty="0"/>
           </a:p>
-        </p:txBody>
-      </p:sp>
-      <p:sp>
-        <p:nvSpPr>
-          <p:cNvPr id="3" name="Content Placeholder 2"/>
-          <p:cNvSpPr>
-            <a:spLocks noGrp="1"/>
-          </p:cNvSpPr>
-          <p:nvPr>
-            <p:ph idx="1"/>
-          </p:nvPr>
-        </p:nvSpPr>
-        <p:spPr/>
-        <p:txBody>
-          <a:bodyPr/>
-          <a:lstStyle/>
-          <a:p>
-            <a:r>
-              <a:rPr lang="en-GB" dirty="0" smtClean="0"/>
-              <a:t>Sex prediction can be done relatively accurately (without just assuming the correspondent is a man).</a:t>
-            </a:r>
-            <a:br>
-              <a:rPr lang="en-GB" dirty="0" smtClean="0"/>
-            </a:br>
-            <a:endParaRPr lang="en-GB" dirty="0" smtClean="0"/>
-          </a:p>
-          <a:p>
-            <a:r>
-              <a:rPr lang="en-GB" dirty="0" smtClean="0"/>
+          <a:p>
+            <a:r>
+              <a:rPr lang="en-GB" dirty="0"/>
               <a:t>We provide a proof of concept for occupation inference. Though accuracy is limited, it could be taken further with a more thorough extraction of occupancy information from the data and with a more sophisticated language model.</a:t>
             </a:r>
           </a:p>
           <a:p>
-            <a:endParaRPr lang="en-GB" dirty="0" smtClean="0"/>
-          </a:p>
-          <a:p>
-            <a:r>
-              <a:rPr lang="en-GB" dirty="0" smtClean="0"/>
+            <a:endParaRPr lang="en-GB" dirty="0"/>
+          </a:p>
+          <a:p>
+            <a:r>
+              <a:rPr lang="en-GB" dirty="0"/>
               <a:t>Our model could also be adapted for further investigative work, for example clustering the letters for </a:t>
             </a:r>
             <a:r>
-              <a:rPr lang="en-GB" smtClean="0"/>
+              <a:rPr lang="en-GB"/>
               <a:t>topic analysis.</a:t>
             </a:r>
             <a:endParaRPr lang="en-GB" dirty="0"/>
@@ -6512,10 +6560,9 @@
           <a:lstStyle/>
           <a:p>
             <a:r>
-              <a:rPr lang="en-GB" sz="7200" dirty="0" smtClean="0"/>
+              <a:rPr lang="en-GB" sz="7200" dirty="0"/>
               <a:t>Questions?</a:t>
             </a:r>
-            <a:endParaRPr lang="en-GB" sz="7200" dirty="0"/>
           </a:p>
         </p:txBody>
       </p:sp>
@@ -7023,18 +7070,18 @@
 </file>
 
 <file path=customXml/item2.xml><?xml version="1.0" encoding="utf-8"?>
+<p:properties xmlns:p="http://schemas.microsoft.com/office/2006/metadata/properties" xmlns:xsi="http://www.w3.org/2001/XMLSchema-instance" xmlns:pc="http://schemas.microsoft.com/office/infopath/2007/PartnerControls">
+  <documentManagement/>
+</p:properties>
+</file>
+
+<file path=customXml/item3.xml><?xml version="1.0" encoding="utf-8"?>
 <?mso-contentType ?>
 <FormTemplates xmlns="http://schemas.microsoft.com/sharepoint/v3/contenttype/forms">
   <Display>DocumentLibraryForm</Display>
   <Edit>DocumentLibraryForm</Edit>
   <New>DocumentLibraryForm</New>
 </FormTemplates>
-</file>
-
-<file path=customXml/item3.xml><?xml version="1.0" encoding="utf-8"?>
-<p:properties xmlns:p="http://schemas.microsoft.com/office/2006/metadata/properties" xmlns:xsi="http://www.w3.org/2001/XMLSchema-instance" xmlns:pc="http://schemas.microsoft.com/office/infopath/2007/PartnerControls">
-  <documentManagement/>
-</p:properties>
 </file>
 
 <file path=customXml/itemProps1.xml><?xml version="1.0" encoding="utf-8"?>
@@ -7057,14 +7104,6 @@
 </file>
 
 <file path=customXml/itemProps2.xml><?xml version="1.0" encoding="utf-8"?>
-<ds:datastoreItem xmlns:ds="http://schemas.openxmlformats.org/officeDocument/2006/customXml" ds:itemID="{A7DA58CF-2062-49E8-B3B7-B6C28503C99D}">
-  <ds:schemaRefs>
-    <ds:schemaRef ds:uri="http://schemas.microsoft.com/sharepoint/v3/contenttype/forms"/>
-  </ds:schemaRefs>
-</ds:datastoreItem>
-</file>
-
-<file path=customXml/itemProps3.xml><?xml version="1.0" encoding="utf-8"?>
 <ds:datastoreItem xmlns:ds="http://schemas.openxmlformats.org/officeDocument/2006/customXml" ds:itemID="{5B20B516-085B-4FCA-81F9-E607D6E36C38}">
   <ds:schemaRefs>
     <ds:schemaRef ds:uri="http://schemas.openxmlformats.org/package/2006/metadata/core-properties"/>
@@ -7079,4 +7118,12 @@
     <ds:schemaRef ds:uri="http://purl.org/dc/dcmitype/"/>
   </ds:schemaRefs>
 </ds:datastoreItem>
+</file>
+
+<file path=customXml/itemProps3.xml><?xml version="1.0" encoding="utf-8"?>
+<ds:datastoreItem xmlns:ds="http://schemas.openxmlformats.org/officeDocument/2006/customXml" ds:itemID="{A7DA58CF-2062-49E8-B3B7-B6C28503C99D}">
+  <ds:schemaRefs>
+    <ds:schemaRef ds:uri="http://schemas.microsoft.com/sharepoint/v3/contenttype/forms"/>
+  </ds:schemaRefs>
+</ds:datastoreItem>
 </file>
--- a/DCP-presentation-group1.pptx
+++ b/DCP-presentation-group1.pptx
@@ -10,8 +10,10 @@
     <p:sldId id="258" r:id="rId7"/>
     <p:sldId id="259" r:id="rId8"/>
     <p:sldId id="260" r:id="rId9"/>
-    <p:sldId id="262" r:id="rId10"/>
-    <p:sldId id="261" r:id="rId11"/>
+    <p:sldId id="263" r:id="rId10"/>
+    <p:sldId id="264" r:id="rId11"/>
+    <p:sldId id="262" r:id="rId12"/>
+    <p:sldId id="261" r:id="rId13"/>
   </p:sldIdLst>
   <p:sldSz cx="12192000" cy="6858000"/>
   <p:notesSz cx="6858000" cy="9144000"/>
@@ -5747,7 +5749,7 @@
         </p:nvSpPr>
         <p:spPr>
           <a:xfrm>
-            <a:off x="2177472" y="2860190"/>
+            <a:off x="2177472" y="1631754"/>
             <a:ext cx="9144000" cy="1327172"/>
           </a:xfrm>
         </p:spPr>
@@ -5758,12 +5760,16 @@
           <a:lstStyle/>
           <a:p>
             <a:r>
-              <a:rPr lang="en-GB" dirty="0"/>
+              <a:rPr lang="en-GB" dirty="0" smtClean="0"/>
+              <a:t>Dear Mr/Mrs?</a:t>
+            </a:r>
+            <a:br>
+              <a:rPr lang="en-GB" dirty="0" smtClean="0"/>
+            </a:br>
+            <a:r>
+              <a:rPr lang="en-GB" dirty="0" smtClean="0"/>
               <a:t>Dear Dr/Revd?</a:t>
             </a:r>
-            <a:br>
-              <a:rPr lang="en-GB" dirty="0"/>
-            </a:br>
             <a:endParaRPr lang="en-GB" dirty="0"/>
           </a:p>
         </p:txBody>
@@ -5797,6 +5803,10 @@
             <a:br>
               <a:rPr lang="en-GB" sz="2800" dirty="0"/>
             </a:br>
+            <a:r>
+              <a:rPr lang="en-GB" sz="2800" dirty="0"/>
+              <a:t/>
+            </a:r>
             <a:br>
               <a:rPr lang="en-GB" sz="2800" dirty="0"/>
             </a:br>
@@ -5820,6 +5830,10 @@
               </a:rPr>
               <a:t> Aggarwal | Megan Briers | Tom Harris | Jason Wood</a:t>
             </a:r>
+            <a:r>
+              <a:rPr lang="en-GB" dirty="0"/>
+              <a:t/>
+            </a:r>
             <a:br>
               <a:rPr lang="en-GB" dirty="0"/>
             </a:br>
@@ -5827,85 +5841,30 @@
           </a:p>
         </p:txBody>
       </p:sp>
-      <p:sp>
-        <p:nvSpPr>
-          <p:cNvPr id="5" name="Title 1"/>
-          <p:cNvSpPr txBox="1">
-            <a:spLocks/>
-          </p:cNvSpPr>
+      <p:pic>
+        <p:nvPicPr>
+          <p:cNvPr id="4" name="Picture 3"/>
+          <p:cNvPicPr>
+            <a:picLocks noChangeAspect="1"/>
+          </p:cNvPicPr>
           <p:nvPr/>
-        </p:nvSpPr>
+        </p:nvPicPr>
+        <p:blipFill>
+          <a:blip r:embed="rId2"/>
+          <a:stretch>
+            <a:fillRect/>
+          </a:stretch>
+        </p:blipFill>
         <p:spPr>
           <a:xfrm>
-            <a:off x="2306781" y="1660792"/>
-            <a:ext cx="9144000" cy="1327172"/>
+            <a:off x="384463" y="1798857"/>
+            <a:ext cx="4095174" cy="2122665"/>
           </a:xfrm>
           <a:prstGeom prst="rect">
             <a:avLst/>
           </a:prstGeom>
         </p:spPr>
-        <p:txBody>
-          <a:bodyPr vert="horz" wrap="none" lIns="91440" tIns="45720" rIns="91440" bIns="45720" rtlCol="0" anchor="t">
-            <a:noAutofit/>
-          </a:bodyPr>
-          <a:lstStyle>
-            <a:lvl1pPr algn="r" defTabSz="914400" rtl="0" eaLnBrk="1" latinLnBrk="0" hangingPunct="1">
-              <a:lnSpc>
-                <a:spcPct val="90000"/>
-              </a:lnSpc>
-              <a:spcBef>
-                <a:spcPct val="0"/>
-              </a:spcBef>
-              <a:buNone/>
-              <a:defRPr sz="9600" b="0" kern="1200" spc="-300">
-                <a:gradFill flip="none" rotWithShape="1">
-                  <a:gsLst>
-                    <a:gs pos="32000">
-                      <a:schemeClr val="tx1">
-                        <a:lumMod val="89000"/>
-                      </a:schemeClr>
-                    </a:gs>
-                    <a:gs pos="0">
-                      <a:schemeClr val="bg1">
-                        <a:lumMod val="41000"/>
-                        <a:lumOff val="59000"/>
-                      </a:schemeClr>
-                    </a:gs>
-                    <a:gs pos="100000">
-                      <a:schemeClr val="tx2">
-                        <a:lumMod val="0"/>
-                        <a:lumOff val="100000"/>
-                      </a:schemeClr>
-                    </a:gs>
-                  </a:gsLst>
-                  <a:lin ang="8100000" scaled="1"/>
-                  <a:tileRect/>
-                </a:gradFill>
-                <a:effectLst>
-                  <a:outerShdw blurRad="469900" dist="342900" dir="5400000" sy="-20000" rotWithShape="0">
-                    <a:prstClr val="black">
-                      <a:alpha val="66000"/>
-                    </a:prstClr>
-                  </a:outerShdw>
-                </a:effectLst>
-                <a:latin typeface="+mj-lt"/>
-                <a:ea typeface="+mj-ea"/>
-                <a:cs typeface="+mj-cs"/>
-              </a:defRPr>
-            </a:lvl1pPr>
-          </a:lstStyle>
-          <a:p>
-            <a:r>
-              <a:rPr lang="en-GB" sz="8800" dirty="0"/>
-              <a:t>Dear Mr/Mrs?</a:t>
-            </a:r>
-            <a:br>
-              <a:rPr lang="en-GB" sz="8800" dirty="0"/>
-            </a:br>
-            <a:endParaRPr lang="en-GB" sz="8800" dirty="0"/>
-          </a:p>
-        </p:txBody>
-      </p:sp>
+      </p:pic>
     </p:spTree>
     <p:extLst>
       <p:ext uri="{BB962C8B-B14F-4D97-AF65-F5344CB8AC3E}">
@@ -5916,6 +5875,13 @@
   <p:clrMapOvr>
     <a:masterClrMapping/>
   </p:clrMapOvr>
+  <p:timing>
+    <p:tnLst>
+      <p:par>
+        <p:cTn id="1" dur="indefinite" restart="never" nodeType="tmRoot"/>
+      </p:par>
+    </p:tnLst>
+  </p:timing>
 </p:sld>
 </file>
 
@@ -6344,7 +6310,7 @@
         <p:spPr>
           <a:xfrm>
             <a:off x="1120000" y="1825625"/>
-            <a:ext cx="7238909" cy="4351338"/>
+            <a:ext cx="8014764" cy="4351338"/>
           </a:xfrm>
         </p:spPr>
         <p:txBody>
@@ -6401,7 +6367,7 @@
         </p:blipFill>
         <p:spPr>
           <a:xfrm>
-            <a:off x="210560" y="5742332"/>
+            <a:off x="219796" y="5742332"/>
             <a:ext cx="11584277" cy="569568"/>
           </a:xfrm>
           <a:prstGeom prst="rect">
@@ -6419,6 +6385,13 @@
   <p:clrMapOvr>
     <a:masterClrMapping/>
   </p:clrMapOvr>
+  <p:timing>
+    <p:tnLst>
+      <p:par>
+        <p:cTn id="1" dur="indefinite" restart="never" nodeType="tmRoot"/>
+      </p:par>
+    </p:tnLst>
+  </p:timing>
 </p:sld>
 </file>
 
@@ -6456,52 +6429,60 @@
           <a:p>
             <a:r>
               <a:rPr lang="en-GB" dirty="0"/>
-              <a:t>Conclusions</a:t>
-            </a:r>
-          </a:p>
-        </p:txBody>
-      </p:sp>
-      <p:sp>
-        <p:nvSpPr>
-          <p:cNvPr id="3" name="Content Placeholder 2"/>
-          <p:cNvSpPr>
-            <a:spLocks noGrp="1"/>
-          </p:cNvSpPr>
-          <p:nvPr>
-            <p:ph idx="1"/>
-          </p:nvPr>
-        </p:nvSpPr>
-        <p:spPr/>
-        <p:txBody>
-          <a:bodyPr/>
-          <a:lstStyle/>
-          <a:p>
-            <a:r>
-              <a:rPr lang="en-GB" dirty="0"/>
-              <a:t>Sex prediction can be done relatively accurately (without just assuming the correspondent is a man).</a:t>
-            </a:r>
-            <a:br>
-              <a:rPr lang="en-GB" dirty="0"/>
-            </a:br>
-            <a:endParaRPr lang="en-GB" dirty="0"/>
-          </a:p>
-          <a:p>
-            <a:r>
-              <a:rPr lang="en-GB" dirty="0"/>
-              <a:t>We provide a proof of concept for occupation inference. Though accuracy is limited, it could be taken further with a more thorough extraction of occupancy information from the data and with a more sophisticated language model.</a:t>
-            </a:r>
-          </a:p>
-          <a:p>
-            <a:endParaRPr lang="en-GB" dirty="0"/>
-          </a:p>
-          <a:p>
-            <a:r>
-              <a:rPr lang="en-GB" dirty="0"/>
-              <a:t>Our model could also be adapted for further investigative work, for example clustering the letters for </a:t>
-            </a:r>
-            <a:r>
-              <a:rPr lang="en-GB"/>
-              <a:t>topic analysis.</a:t>
+              <a:t>Occupation – Dear Dr/Revd</a:t>
+            </a:r>
+          </a:p>
+        </p:txBody>
+      </p:sp>
+      <p:pic>
+        <p:nvPicPr>
+          <p:cNvPr id="8" name="Picture 7"/>
+          <p:cNvPicPr>
+            <a:picLocks noChangeAspect="1"/>
+          </p:cNvPicPr>
+          <p:nvPr/>
+        </p:nvPicPr>
+        <p:blipFill>
+          <a:blip r:embed="rId2"/>
+          <a:stretch>
+            <a:fillRect/>
+          </a:stretch>
+        </p:blipFill>
+        <p:spPr>
+          <a:xfrm>
+            <a:off x="1009650" y="1534328"/>
+            <a:ext cx="8610600" cy="4843464"/>
+          </a:xfrm>
+          <a:prstGeom prst="rect">
+            <a:avLst/>
+          </a:prstGeom>
+        </p:spPr>
+      </p:pic>
+      <p:sp>
+        <p:nvSpPr>
+          <p:cNvPr id="10" name="TextBox 9"/>
+          <p:cNvSpPr txBox="1"/>
+          <p:nvPr/>
+        </p:nvSpPr>
+        <p:spPr>
+          <a:xfrm>
+            <a:off x="10001250" y="1690688"/>
+            <a:ext cx="1790700" cy="1200329"/>
+          </a:xfrm>
+          <a:prstGeom prst="rect">
+            <a:avLst/>
+          </a:prstGeom>
+          <a:noFill/>
+        </p:spPr>
+        <p:txBody>
+          <a:bodyPr wrap="square" rtlCol="0">
+            <a:spAutoFit/>
+          </a:bodyPr>
+          <a:lstStyle/>
+          <a:p>
+            <a:r>
+              <a:rPr lang="en-GB" dirty="0" smtClean="0"/>
+              <a:t>One of Darwin’s letters separated into individual words.</a:t>
             </a:r>
             <a:endParaRPr lang="en-GB" dirty="0"/>
           </a:p>
@@ -6510,13 +6491,20 @@
     </p:spTree>
     <p:extLst>
       <p:ext uri="{BB962C8B-B14F-4D97-AF65-F5344CB8AC3E}">
-        <p14:creationId xmlns:p14="http://schemas.microsoft.com/office/powerpoint/2010/main" val="1014809110"/>
+        <p14:creationId xmlns:p14="http://schemas.microsoft.com/office/powerpoint/2010/main" val="943226998"/>
       </p:ext>
     </p:extLst>
   </p:cSld>
   <p:clrMapOvr>
     <a:masterClrMapping/>
   </p:clrMapOvr>
+  <p:timing>
+    <p:tnLst>
+      <p:par>
+        <p:cTn id="1" dur="indefinite" restart="never" nodeType="tmRoot"/>
+      </p:par>
+    </p:tnLst>
+  </p:timing>
 </p:sld>
 </file>
 
@@ -6547,6 +6535,318 @@
             <p:ph type="title"/>
           </p:nvPr>
         </p:nvSpPr>
+        <p:spPr/>
+        <p:txBody>
+          <a:bodyPr/>
+          <a:lstStyle/>
+          <a:p>
+            <a:r>
+              <a:rPr lang="en-GB" dirty="0"/>
+              <a:t>Occupation – Dear Dr/Revd</a:t>
+            </a:r>
+          </a:p>
+        </p:txBody>
+      </p:sp>
+      <p:sp>
+        <p:nvSpPr>
+          <p:cNvPr id="10" name="TextBox 9"/>
+          <p:cNvSpPr txBox="1"/>
+          <p:nvPr/>
+        </p:nvSpPr>
+        <p:spPr>
+          <a:xfrm>
+            <a:off x="10001250" y="1690688"/>
+            <a:ext cx="1790700" cy="1200329"/>
+          </a:xfrm>
+          <a:prstGeom prst="rect">
+            <a:avLst/>
+          </a:prstGeom>
+          <a:noFill/>
+        </p:spPr>
+        <p:txBody>
+          <a:bodyPr wrap="square" rtlCol="0">
+            <a:spAutoFit/>
+          </a:bodyPr>
+          <a:lstStyle/>
+          <a:p>
+            <a:r>
+              <a:rPr lang="en-GB" dirty="0" smtClean="0"/>
+              <a:t>One of Darwin’s letters separated into individual words</a:t>
+            </a:r>
+            <a:endParaRPr lang="en-GB" dirty="0"/>
+          </a:p>
+        </p:txBody>
+      </p:sp>
+      <p:sp>
+        <p:nvSpPr>
+          <p:cNvPr id="5" name="TextBox 4"/>
+          <p:cNvSpPr txBox="1"/>
+          <p:nvPr/>
+        </p:nvSpPr>
+        <p:spPr>
+          <a:xfrm>
+            <a:off x="10001250" y="3252788"/>
+            <a:ext cx="1790700" cy="1754326"/>
+          </a:xfrm>
+          <a:prstGeom prst="rect">
+            <a:avLst/>
+          </a:prstGeom>
+          <a:noFill/>
+        </p:spPr>
+        <p:txBody>
+          <a:bodyPr wrap="square" rtlCol="0">
+            <a:spAutoFit/>
+          </a:bodyPr>
+          <a:lstStyle/>
+          <a:p>
+            <a:r>
+              <a:rPr lang="en-GB" dirty="0" smtClean="0"/>
+              <a:t/>
+            </a:r>
+            <a:br>
+              <a:rPr lang="en-GB" dirty="0" smtClean="0"/>
+            </a:br>
+            <a:r>
+              <a:rPr lang="en-GB" dirty="0" smtClean="0"/>
+              <a:t>and </a:t>
+            </a:r>
+            <a:r>
+              <a:rPr lang="en-GB" dirty="0" smtClean="0">
+                <a:solidFill>
+                  <a:srgbClr val="FF0000"/>
+                </a:solidFill>
+              </a:rPr>
+              <a:t>key words </a:t>
+            </a:r>
+            <a:r>
+              <a:rPr lang="en-GB" dirty="0" smtClean="0"/>
+              <a:t>selected by the occupation prediction model.</a:t>
+            </a:r>
+            <a:endParaRPr lang="en-GB" dirty="0"/>
+          </a:p>
+        </p:txBody>
+      </p:sp>
+      <p:sp>
+        <p:nvSpPr>
+          <p:cNvPr id="3" name="AutoShape 2" descr="cleaned.png"/>
+          <p:cNvSpPr>
+            <a:spLocks noChangeAspect="1" noChangeArrowheads="1"/>
+          </p:cNvSpPr>
+          <p:nvPr/>
+        </p:nvSpPr>
+        <p:spPr bwMode="auto">
+          <a:xfrm>
+            <a:off x="155575" y="-144463"/>
+            <a:ext cx="304800" cy="304801"/>
+          </a:xfrm>
+          <a:prstGeom prst="rect">
+            <a:avLst/>
+          </a:prstGeom>
+          <a:noFill/>
+          <a:extLst>
+            <a:ext uri="{909E8E84-426E-40DD-AFC4-6F175D3DCCD1}">
+              <a14:hiddenFill xmlns:a14="http://schemas.microsoft.com/office/drawing/2010/main">
+                <a:solidFill>
+                  <a:srgbClr val="FFFFFF"/>
+                </a:solidFill>
+              </a14:hiddenFill>
+            </a:ext>
+          </a:extLst>
+        </p:spPr>
+        <p:txBody>
+          <a:bodyPr vert="horz" wrap="square" lIns="91440" tIns="45720" rIns="91440" bIns="45720" numCol="1" anchor="t" anchorCtr="0" compatLnSpc="1">
+            <a:prstTxWarp prst="textNoShape">
+              <a:avLst/>
+            </a:prstTxWarp>
+          </a:bodyPr>
+          <a:lstStyle/>
+          <a:p>
+            <a:endParaRPr lang="en-GB"/>
+          </a:p>
+        </p:txBody>
+      </p:sp>
+      <p:pic>
+        <p:nvPicPr>
+          <p:cNvPr id="4" name="Picture 3"/>
+          <p:cNvPicPr>
+            <a:picLocks noChangeAspect="1"/>
+          </p:cNvPicPr>
+          <p:nvPr/>
+        </p:nvPicPr>
+        <p:blipFill>
+          <a:blip r:embed="rId2">
+            <a:extLst>
+              <a:ext uri="{28A0092B-C50C-407E-A947-70E740481C1C}">
+                <a14:useLocalDpi xmlns:a14="http://schemas.microsoft.com/office/drawing/2010/main" val="0"/>
+              </a:ext>
+            </a:extLst>
+          </a:blip>
+          <a:stretch>
+            <a:fillRect/>
+          </a:stretch>
+        </p:blipFill>
+        <p:spPr>
+          <a:xfrm>
+            <a:off x="952500" y="1524804"/>
+            <a:ext cx="8610600" cy="4843463"/>
+          </a:xfrm>
+          <a:prstGeom prst="rect">
+            <a:avLst/>
+          </a:prstGeom>
+        </p:spPr>
+      </p:pic>
+    </p:spTree>
+    <p:extLst>
+      <p:ext uri="{BB962C8B-B14F-4D97-AF65-F5344CB8AC3E}">
+        <p14:creationId xmlns:p14="http://schemas.microsoft.com/office/powerpoint/2010/main" val="27692593"/>
+      </p:ext>
+    </p:extLst>
+  </p:cSld>
+  <p:clrMapOvr>
+    <a:masterClrMapping/>
+  </p:clrMapOvr>
+  <p:timing>
+    <p:tnLst>
+      <p:par>
+        <p:cTn id="1" dur="indefinite" restart="never" nodeType="tmRoot"/>
+      </p:par>
+    </p:tnLst>
+  </p:timing>
+</p:sld>
+</file>
+
+<file path=ppt/slides/slide8.xml><?xml version="1.0" encoding="utf-8"?>
+<p:sld xmlns:a="http://schemas.openxmlformats.org/drawingml/2006/main" xmlns:r="http://schemas.openxmlformats.org/officeDocument/2006/relationships" xmlns:p="http://schemas.openxmlformats.org/presentationml/2006/main">
+  <p:cSld>
+    <p:spTree>
+      <p:nvGrpSpPr>
+        <p:cNvPr id="1" name=""/>
+        <p:cNvGrpSpPr/>
+        <p:nvPr/>
+      </p:nvGrpSpPr>
+      <p:grpSpPr>
+        <a:xfrm>
+          <a:off x="0" y="0"/>
+          <a:ext cx="0" cy="0"/>
+          <a:chOff x="0" y="0"/>
+          <a:chExt cx="0" cy="0"/>
+        </a:xfrm>
+      </p:grpSpPr>
+      <p:sp>
+        <p:nvSpPr>
+          <p:cNvPr id="2" name="Title 1"/>
+          <p:cNvSpPr>
+            <a:spLocks noGrp="1"/>
+          </p:cNvSpPr>
+          <p:nvPr>
+            <p:ph type="title"/>
+          </p:nvPr>
+        </p:nvSpPr>
+        <p:spPr/>
+        <p:txBody>
+          <a:bodyPr/>
+          <a:lstStyle/>
+          <a:p>
+            <a:r>
+              <a:rPr lang="en-GB" dirty="0"/>
+              <a:t>Conclusions</a:t>
+            </a:r>
+          </a:p>
+        </p:txBody>
+      </p:sp>
+      <p:sp>
+        <p:nvSpPr>
+          <p:cNvPr id="3" name="Content Placeholder 2"/>
+          <p:cNvSpPr>
+            <a:spLocks noGrp="1"/>
+          </p:cNvSpPr>
+          <p:nvPr>
+            <p:ph idx="1"/>
+          </p:nvPr>
+        </p:nvSpPr>
+        <p:spPr/>
+        <p:txBody>
+          <a:bodyPr/>
+          <a:lstStyle/>
+          <a:p>
+            <a:r>
+              <a:rPr lang="en-GB" dirty="0"/>
+              <a:t>Sex prediction can be done relatively accurately (without just assuming the correspondent is a man).</a:t>
+            </a:r>
+            <a:br>
+              <a:rPr lang="en-GB" dirty="0"/>
+            </a:br>
+            <a:endParaRPr lang="en-GB" dirty="0"/>
+          </a:p>
+          <a:p>
+            <a:r>
+              <a:rPr lang="en-GB" dirty="0"/>
+              <a:t>We provide a proof of concept for occupation inference. Though accuracy is limited, it could be taken further with a more thorough extraction of occupancy information from the data and with a more sophisticated language model.</a:t>
+            </a:r>
+          </a:p>
+          <a:p>
+            <a:endParaRPr lang="en-GB" dirty="0"/>
+          </a:p>
+          <a:p>
+            <a:r>
+              <a:rPr lang="en-GB" dirty="0"/>
+              <a:t>Our model could also be adapted for further investigative work, for example clustering the letters for </a:t>
+            </a:r>
+            <a:r>
+              <a:rPr lang="en-GB"/>
+              <a:t>topic analysis.</a:t>
+            </a:r>
+            <a:endParaRPr lang="en-GB" dirty="0"/>
+          </a:p>
+        </p:txBody>
+      </p:sp>
+    </p:spTree>
+    <p:extLst>
+      <p:ext uri="{BB962C8B-B14F-4D97-AF65-F5344CB8AC3E}">
+        <p14:creationId xmlns:p14="http://schemas.microsoft.com/office/powerpoint/2010/main" val="1014809110"/>
+      </p:ext>
+    </p:extLst>
+  </p:cSld>
+  <p:clrMapOvr>
+    <a:masterClrMapping/>
+  </p:clrMapOvr>
+  <p:timing>
+    <p:tnLst>
+      <p:par>
+        <p:cTn id="1" dur="indefinite" restart="never" nodeType="tmRoot"/>
+      </p:par>
+    </p:tnLst>
+  </p:timing>
+</p:sld>
+</file>
+
+<file path=ppt/slides/slide9.xml><?xml version="1.0" encoding="utf-8"?>
+<p:sld xmlns:a="http://schemas.openxmlformats.org/drawingml/2006/main" xmlns:r="http://schemas.openxmlformats.org/officeDocument/2006/relationships" xmlns:p="http://schemas.openxmlformats.org/presentationml/2006/main">
+  <p:cSld>
+    <p:spTree>
+      <p:nvGrpSpPr>
+        <p:cNvPr id="1" name=""/>
+        <p:cNvGrpSpPr/>
+        <p:nvPr/>
+      </p:nvGrpSpPr>
+      <p:grpSpPr>
+        <a:xfrm>
+          <a:off x="0" y="0"/>
+          <a:ext cx="0" cy="0"/>
+          <a:chOff x="0" y="0"/>
+          <a:chExt cx="0" cy="0"/>
+        </a:xfrm>
+      </p:grpSpPr>
+      <p:sp>
+        <p:nvSpPr>
+          <p:cNvPr id="2" name="Title 1"/>
+          <p:cNvSpPr>
+            <a:spLocks noGrp="1"/>
+          </p:cNvSpPr>
+          <p:nvPr>
+            <p:ph type="title"/>
+          </p:nvPr>
+        </p:nvSpPr>
         <p:spPr>
           <a:xfrm>
             <a:off x="3932381" y="2212398"/>
@@ -6576,6 +6876,13 @@
   <p:clrMapOvr>
     <a:masterClrMapping/>
   </p:clrMapOvr>
+  <p:timing>
+    <p:tnLst>
+      <p:par>
+        <p:cTn id="1" dur="indefinite" restart="never" nodeType="tmRoot"/>
+      </p:par>
+    </p:tnLst>
+  </p:timing>
 </p:sld>
 </file>
 
@@ -6841,6 +7148,21 @@
 </file>
 
 <file path=customXml/item1.xml><?xml version="1.0" encoding="utf-8"?>
+<?mso-contentType ?>
+<FormTemplates xmlns="http://schemas.microsoft.com/sharepoint/v3/contenttype/forms">
+  <Display>DocumentLibraryForm</Display>
+  <Edit>DocumentLibraryForm</Edit>
+  <New>DocumentLibraryForm</New>
+</FormTemplates>
+</file>
+
+<file path=customXml/item2.xml><?xml version="1.0" encoding="utf-8"?>
+<p:properties xmlns:p="http://schemas.microsoft.com/office/2006/metadata/properties" xmlns:xsi="http://www.w3.org/2001/XMLSchema-instance" xmlns:pc="http://schemas.microsoft.com/office/infopath/2007/PartnerControls">
+  <documentManagement/>
+</p:properties>
+</file>
+
+<file path=customXml/item3.xml><?xml version="1.0" encoding="utf-8"?>
 <ct:contentTypeSchema xmlns:ct="http://schemas.microsoft.com/office/2006/metadata/contentType" xmlns:ma="http://schemas.microsoft.com/office/2006/metadata/properties/metaAttributes" ct:_="" ma:_="" ma:contentTypeName="Document" ma:contentTypeID="0x01010048D2C9578948FB4BBDEFA4C115FF2CE8" ma:contentTypeVersion="14" ma:contentTypeDescription="Create a new document." ma:contentTypeScope="" ma:versionID="6e2fcab41b1b0198ed6f8326d7f010c7">
   <xsd:schema xmlns:xsd="http://www.w3.org/2001/XMLSchema" xmlns:xs="http://www.w3.org/2001/XMLSchema" xmlns:p="http://schemas.microsoft.com/office/2006/metadata/properties" xmlns:ns3="9911a6ce-f3f8-410c-82d6-cdebf25c0ba4" xmlns:ns4="43500f77-5812-4bb6-93cb-fabc4f5716a5" targetNamespace="http://schemas.microsoft.com/office/2006/metadata/properties" ma:root="true" ma:fieldsID="071ead392f8b4912e9cbb4dbb7078232" ns3:_="" ns4:_="">
     <xsd:import namespace="9911a6ce-f3f8-410c-82d6-cdebf25c0ba4"/>
@@ -7069,36 +7391,10 @@
 </ct:contentTypeSchema>
 </file>
 
-<file path=customXml/item2.xml><?xml version="1.0" encoding="utf-8"?>
-<p:properties xmlns:p="http://schemas.microsoft.com/office/2006/metadata/properties" xmlns:xsi="http://www.w3.org/2001/XMLSchema-instance" xmlns:pc="http://schemas.microsoft.com/office/infopath/2007/PartnerControls">
-  <documentManagement/>
-</p:properties>
-</file>
-
-<file path=customXml/item3.xml><?xml version="1.0" encoding="utf-8"?>
-<?mso-contentType ?>
-<FormTemplates xmlns="http://schemas.microsoft.com/sharepoint/v3/contenttype/forms">
-  <Display>DocumentLibraryForm</Display>
-  <Edit>DocumentLibraryForm</Edit>
-  <New>DocumentLibraryForm</New>
-</FormTemplates>
-</file>
-
 <file path=customXml/itemProps1.xml><?xml version="1.0" encoding="utf-8"?>
-<ds:datastoreItem xmlns:ds="http://schemas.openxmlformats.org/officeDocument/2006/customXml" ds:itemID="{F58F17D9-0F76-4381-9F89-4DAFD064F76C}">
+<ds:datastoreItem xmlns:ds="http://schemas.openxmlformats.org/officeDocument/2006/customXml" ds:itemID="{A7DA58CF-2062-49E8-B3B7-B6C28503C99D}">
   <ds:schemaRefs>
-    <ds:schemaRef ds:uri="http://schemas.microsoft.com/office/2006/metadata/contentType"/>
-    <ds:schemaRef ds:uri="http://schemas.microsoft.com/office/2006/metadata/properties/metaAttributes"/>
-    <ds:schemaRef ds:uri="http://www.w3.org/2001/XMLSchema"/>
-    <ds:schemaRef ds:uri="http://schemas.microsoft.com/office/2006/metadata/properties"/>
-    <ds:schemaRef ds:uri="9911a6ce-f3f8-410c-82d6-cdebf25c0ba4"/>
-    <ds:schemaRef ds:uri="43500f77-5812-4bb6-93cb-fabc4f5716a5"/>
-    <ds:schemaRef ds:uri="http://schemas.microsoft.com/office/2006/documentManagement/types"/>
-    <ds:schemaRef ds:uri="http://schemas.microsoft.com/office/infopath/2007/PartnerControls"/>
-    <ds:schemaRef ds:uri="http://schemas.openxmlformats.org/package/2006/metadata/core-properties"/>
-    <ds:schemaRef ds:uri="http://purl.org/dc/elements/1.1/"/>
-    <ds:schemaRef ds:uri="http://purl.org/dc/terms/"/>
-    <ds:schemaRef ds:uri="http://schemas.microsoft.com/internal/obd"/>
+    <ds:schemaRef ds:uri="http://schemas.microsoft.com/sharepoint/v3/contenttype/forms"/>
   </ds:schemaRefs>
 </ds:datastoreItem>
 </file>
@@ -7121,9 +7417,20 @@
 </file>
 
 <file path=customXml/itemProps3.xml><?xml version="1.0" encoding="utf-8"?>
-<ds:datastoreItem xmlns:ds="http://schemas.openxmlformats.org/officeDocument/2006/customXml" ds:itemID="{A7DA58CF-2062-49E8-B3B7-B6C28503C99D}">
+<ds:datastoreItem xmlns:ds="http://schemas.openxmlformats.org/officeDocument/2006/customXml" ds:itemID="{F58F17D9-0F76-4381-9F89-4DAFD064F76C}">
   <ds:schemaRefs>
-    <ds:schemaRef ds:uri="http://schemas.microsoft.com/sharepoint/v3/contenttype/forms"/>
+    <ds:schemaRef ds:uri="http://schemas.microsoft.com/office/2006/metadata/contentType"/>
+    <ds:schemaRef ds:uri="http://schemas.microsoft.com/office/2006/metadata/properties/metaAttributes"/>
+    <ds:schemaRef ds:uri="http://www.w3.org/2001/XMLSchema"/>
+    <ds:schemaRef ds:uri="http://schemas.microsoft.com/office/2006/metadata/properties"/>
+    <ds:schemaRef ds:uri="9911a6ce-f3f8-410c-82d6-cdebf25c0ba4"/>
+    <ds:schemaRef ds:uri="43500f77-5812-4bb6-93cb-fabc4f5716a5"/>
+    <ds:schemaRef ds:uri="http://schemas.microsoft.com/office/2006/documentManagement/types"/>
+    <ds:schemaRef ds:uri="http://schemas.microsoft.com/office/infopath/2007/PartnerControls"/>
+    <ds:schemaRef ds:uri="http://schemas.openxmlformats.org/package/2006/metadata/core-properties"/>
+    <ds:schemaRef ds:uri="http://purl.org/dc/elements/1.1/"/>
+    <ds:schemaRef ds:uri="http://purl.org/dc/terms/"/>
+    <ds:schemaRef ds:uri="http://schemas.microsoft.com/internal/obd"/>
   </ds:schemaRefs>
 </ds:datastoreItem>
 </file>
--- a/DCP-presentation-group1.pptx
+++ b/DCP-presentation-group1.pptx
@@ -10,10 +10,9 @@
     <p:sldId id="258" r:id="rId7"/>
     <p:sldId id="259" r:id="rId8"/>
     <p:sldId id="260" r:id="rId9"/>
-    <p:sldId id="263" r:id="rId10"/>
-    <p:sldId id="264" r:id="rId11"/>
-    <p:sldId id="262" r:id="rId12"/>
-    <p:sldId id="261" r:id="rId13"/>
+    <p:sldId id="264" r:id="rId10"/>
+    <p:sldId id="262" r:id="rId11"/>
+    <p:sldId id="261" r:id="rId12"/>
   </p:sldIdLst>
   <p:sldSz cx="12192000" cy="6858000"/>
   <p:notesSz cx="6858000" cy="9144000"/>
@@ -5760,17 +5759,16 @@
           <a:lstStyle/>
           <a:p>
             <a:r>
-              <a:rPr lang="en-GB" dirty="0" smtClean="0"/>
+              <a:rPr lang="en-GB" dirty="0"/>
               <a:t>Dear Mr/Mrs?</a:t>
             </a:r>
             <a:br>
-              <a:rPr lang="en-GB" dirty="0" smtClean="0"/>
+              <a:rPr lang="en-GB" dirty="0"/>
             </a:br>
             <a:r>
-              <a:rPr lang="en-GB" dirty="0" smtClean="0"/>
+              <a:rPr lang="en-GB" dirty="0"/>
               <a:t>Dear Dr/Revd?</a:t>
             </a:r>
-            <a:endParaRPr lang="en-GB" dirty="0"/>
           </a:p>
         </p:txBody>
       </p:sp>
@@ -5803,10 +5801,6 @@
             <a:br>
               <a:rPr lang="en-GB" sz="2800" dirty="0"/>
             </a:br>
-            <a:r>
-              <a:rPr lang="en-GB" sz="2800" dirty="0"/>
-              <a:t/>
-            </a:r>
             <a:br>
               <a:rPr lang="en-GB" sz="2800" dirty="0"/>
             </a:br>
@@ -5829,10 +5823,6 @@
                 </a:solidFill>
               </a:rPr>
               <a:t> Aggarwal | Megan Briers | Tom Harris | Jason Wood</a:t>
-            </a:r>
-            <a:r>
-              <a:rPr lang="en-GB" dirty="0"/>
-              <a:t/>
             </a:r>
             <a:br>
               <a:rPr lang="en-GB" dirty="0"/>
@@ -5875,13 +5865,6 @@
   <p:clrMapOvr>
     <a:masterClrMapping/>
   </p:clrMapOvr>
-  <p:timing>
-    <p:tnLst>
-      <p:par>
-        <p:cTn id="1" dur="indefinite" restart="never" nodeType="tmRoot"/>
-      </p:par>
-    </p:tnLst>
-  </p:timing>
 </p:sld>
 </file>
 
@@ -6385,13 +6368,6 @@
   <p:clrMapOvr>
     <a:masterClrMapping/>
   </p:clrMapOvr>
-  <p:timing>
-    <p:tnLst>
-      <p:par>
-        <p:cTn id="1" dur="indefinite" restart="never" nodeType="tmRoot"/>
-      </p:par>
-    </p:tnLst>
-  </p:timing>
 </p:sld>
 </file>
 
@@ -6434,30 +6410,6 @@
           </a:p>
         </p:txBody>
       </p:sp>
-      <p:pic>
-        <p:nvPicPr>
-          <p:cNvPr id="8" name="Picture 7"/>
-          <p:cNvPicPr>
-            <a:picLocks noChangeAspect="1"/>
-          </p:cNvPicPr>
-          <p:nvPr/>
-        </p:nvPicPr>
-        <p:blipFill>
-          <a:blip r:embed="rId2"/>
-          <a:stretch>
-            <a:fillRect/>
-          </a:stretch>
-        </p:blipFill>
-        <p:spPr>
-          <a:xfrm>
-            <a:off x="1009650" y="1534328"/>
-            <a:ext cx="8610600" cy="4843464"/>
-          </a:xfrm>
-          <a:prstGeom prst="rect">
-            <a:avLst/>
-          </a:prstGeom>
-        </p:spPr>
-      </p:pic>
       <p:sp>
         <p:nvSpPr>
           <p:cNvPr id="10" name="TextBox 9"/>
@@ -6481,99 +6433,9 @@
           <a:lstStyle/>
           <a:p>
             <a:r>
-              <a:rPr lang="en-GB" dirty="0" smtClean="0"/>
-              <a:t>One of Darwin’s letters separated into individual words.</a:t>
-            </a:r>
-            <a:endParaRPr lang="en-GB" dirty="0"/>
-          </a:p>
-        </p:txBody>
-      </p:sp>
-    </p:spTree>
-    <p:extLst>
-      <p:ext uri="{BB962C8B-B14F-4D97-AF65-F5344CB8AC3E}">
-        <p14:creationId xmlns:p14="http://schemas.microsoft.com/office/powerpoint/2010/main" val="943226998"/>
-      </p:ext>
-    </p:extLst>
-  </p:cSld>
-  <p:clrMapOvr>
-    <a:masterClrMapping/>
-  </p:clrMapOvr>
-  <p:timing>
-    <p:tnLst>
-      <p:par>
-        <p:cTn id="1" dur="indefinite" restart="never" nodeType="tmRoot"/>
-      </p:par>
-    </p:tnLst>
-  </p:timing>
-</p:sld>
-</file>
-
-<file path=ppt/slides/slide7.xml><?xml version="1.0" encoding="utf-8"?>
-<p:sld xmlns:a="http://schemas.openxmlformats.org/drawingml/2006/main" xmlns:r="http://schemas.openxmlformats.org/officeDocument/2006/relationships" xmlns:p="http://schemas.openxmlformats.org/presentationml/2006/main">
-  <p:cSld>
-    <p:spTree>
-      <p:nvGrpSpPr>
-        <p:cNvPr id="1" name=""/>
-        <p:cNvGrpSpPr/>
-        <p:nvPr/>
-      </p:nvGrpSpPr>
-      <p:grpSpPr>
-        <a:xfrm>
-          <a:off x="0" y="0"/>
-          <a:ext cx="0" cy="0"/>
-          <a:chOff x="0" y="0"/>
-          <a:chExt cx="0" cy="0"/>
-        </a:xfrm>
-      </p:grpSpPr>
-      <p:sp>
-        <p:nvSpPr>
-          <p:cNvPr id="2" name="Title 1"/>
-          <p:cNvSpPr>
-            <a:spLocks noGrp="1"/>
-          </p:cNvSpPr>
-          <p:nvPr>
-            <p:ph type="title"/>
-          </p:nvPr>
-        </p:nvSpPr>
-        <p:spPr/>
-        <p:txBody>
-          <a:bodyPr/>
-          <a:lstStyle/>
-          <a:p>
-            <a:r>
               <a:rPr lang="en-GB" dirty="0"/>
-              <a:t>Occupation – Dear Dr/Revd</a:t>
-            </a:r>
-          </a:p>
-        </p:txBody>
-      </p:sp>
-      <p:sp>
-        <p:nvSpPr>
-          <p:cNvPr id="10" name="TextBox 9"/>
-          <p:cNvSpPr txBox="1"/>
-          <p:nvPr/>
-        </p:nvSpPr>
-        <p:spPr>
-          <a:xfrm>
-            <a:off x="10001250" y="1690688"/>
-            <a:ext cx="1790700" cy="1200329"/>
-          </a:xfrm>
-          <a:prstGeom prst="rect">
-            <a:avLst/>
-          </a:prstGeom>
-          <a:noFill/>
-        </p:spPr>
-        <p:txBody>
-          <a:bodyPr wrap="square" rtlCol="0">
-            <a:spAutoFit/>
-          </a:bodyPr>
-          <a:lstStyle/>
-          <a:p>
-            <a:r>
-              <a:rPr lang="en-GB" dirty="0" smtClean="0"/>
               <a:t>One of Darwin’s letters separated into individual words</a:t>
             </a:r>
-            <a:endParaRPr lang="en-GB" dirty="0"/>
           </a:p>
         </p:txBody>
       </p:sp>
@@ -6599,19 +6461,15 @@
           </a:bodyPr>
           <a:lstStyle/>
           <a:p>
-            <a:r>
-              <a:rPr lang="en-GB" dirty="0" smtClean="0"/>
-              <a:t/>
-            </a:r>
             <a:br>
-              <a:rPr lang="en-GB" dirty="0" smtClean="0"/>
+              <a:rPr lang="en-GB" dirty="0"/>
             </a:br>
             <a:r>
-              <a:rPr lang="en-GB" dirty="0" smtClean="0"/>
+              <a:rPr lang="en-GB" dirty="0"/>
               <a:t>and </a:t>
             </a:r>
             <a:r>
-              <a:rPr lang="en-GB" dirty="0" smtClean="0">
+              <a:rPr lang="en-GB" dirty="0">
                 <a:solidFill>
                   <a:srgbClr val="FF0000"/>
                 </a:solidFill>
@@ -6619,10 +6477,9 @@
               <a:t>key words </a:t>
             </a:r>
             <a:r>
-              <a:rPr lang="en-GB" dirty="0" smtClean="0"/>
+              <a:rPr lang="en-GB" dirty="0"/>
               <a:t>selected by the occupation prediction model.</a:t>
             </a:r>
-            <a:endParaRPr lang="en-GB" dirty="0"/>
           </a:p>
         </p:txBody>
       </p:sp>
@@ -6708,10 +6565,187 @@
   <p:timing>
     <p:tnLst>
       <p:par>
-        <p:cTn id="1" dur="indefinite" restart="never" nodeType="tmRoot"/>
+        <p:cTn id="1" dur="indefinite" restart="never" nodeType="tmRoot">
+          <p:childTnLst>
+            <p:seq concurrent="1" nextAc="seek">
+              <p:cTn id="2" dur="indefinite" nodeType="mainSeq">
+                <p:childTnLst>
+                  <p:par>
+                    <p:cTn id="3" fill="hold">
+                      <p:stCondLst>
+                        <p:cond delay="indefinite"/>
+                      </p:stCondLst>
+                      <p:childTnLst>
+                        <p:par>
+                          <p:cTn id="4" fill="hold">
+                            <p:stCondLst>
+                              <p:cond delay="0"/>
+                            </p:stCondLst>
+                            <p:childTnLst>
+                              <p:par>
+                                <p:cTn id="5" presetID="10" presetClass="entr" presetSubtype="0" fill="hold" grpId="0" nodeType="clickEffect">
+                                  <p:stCondLst>
+                                    <p:cond delay="0"/>
+                                  </p:stCondLst>
+                                  <p:childTnLst>
+                                    <p:set>
+                                      <p:cBhvr>
+                                        <p:cTn id="6" dur="1" fill="hold">
+                                          <p:stCondLst>
+                                            <p:cond delay="0"/>
+                                          </p:stCondLst>
+                                        </p:cTn>
+                                        <p:tgtEl>
+                                          <p:spTgt spid="5"/>
+                                        </p:tgtEl>
+                                        <p:attrNameLst>
+                                          <p:attrName>style.visibility</p:attrName>
+                                        </p:attrNameLst>
+                                      </p:cBhvr>
+                                      <p:to>
+                                        <p:strVal val="visible"/>
+                                      </p:to>
+                                    </p:set>
+                                    <p:animEffect transition="in" filter="fade">
+                                      <p:cBhvr>
+                                        <p:cTn id="7" dur="500"/>
+                                        <p:tgtEl>
+                                          <p:spTgt spid="5"/>
+                                        </p:tgtEl>
+                                      </p:cBhvr>
+                                    </p:animEffect>
+                                  </p:childTnLst>
+                                </p:cTn>
+                              </p:par>
+                            </p:childTnLst>
+                          </p:cTn>
+                        </p:par>
+                      </p:childTnLst>
+                    </p:cTn>
+                  </p:par>
+                </p:childTnLst>
+              </p:cTn>
+              <p:prevCondLst>
+                <p:cond evt="onPrev" delay="0">
+                  <p:tgtEl>
+                    <p:sldTgt/>
+                  </p:tgtEl>
+                </p:cond>
+              </p:prevCondLst>
+              <p:nextCondLst>
+                <p:cond evt="onNext" delay="0">
+                  <p:tgtEl>
+                    <p:sldTgt/>
+                  </p:tgtEl>
+                </p:cond>
+              </p:nextCondLst>
+            </p:seq>
+          </p:childTnLst>
+        </p:cTn>
       </p:par>
     </p:tnLst>
+    <p:bldLst>
+      <p:bldP spid="5" grpId="0"/>
+    </p:bldLst>
   </p:timing>
+</p:sld>
+</file>
+
+<file path=ppt/slides/slide7.xml><?xml version="1.0" encoding="utf-8"?>
+<p:sld xmlns:a="http://schemas.openxmlformats.org/drawingml/2006/main" xmlns:r="http://schemas.openxmlformats.org/officeDocument/2006/relationships" xmlns:p="http://schemas.openxmlformats.org/presentationml/2006/main">
+  <p:cSld>
+    <p:spTree>
+      <p:nvGrpSpPr>
+        <p:cNvPr id="1" name=""/>
+        <p:cNvGrpSpPr/>
+        <p:nvPr/>
+      </p:nvGrpSpPr>
+      <p:grpSpPr>
+        <a:xfrm>
+          <a:off x="0" y="0"/>
+          <a:ext cx="0" cy="0"/>
+          <a:chOff x="0" y="0"/>
+          <a:chExt cx="0" cy="0"/>
+        </a:xfrm>
+      </p:grpSpPr>
+      <p:sp>
+        <p:nvSpPr>
+          <p:cNvPr id="2" name="Title 1"/>
+          <p:cNvSpPr>
+            <a:spLocks noGrp="1"/>
+          </p:cNvSpPr>
+          <p:nvPr>
+            <p:ph type="title"/>
+          </p:nvPr>
+        </p:nvSpPr>
+        <p:spPr/>
+        <p:txBody>
+          <a:bodyPr/>
+          <a:lstStyle/>
+          <a:p>
+            <a:r>
+              <a:rPr lang="en-GB" dirty="0"/>
+              <a:t>Conclusions</a:t>
+            </a:r>
+          </a:p>
+        </p:txBody>
+      </p:sp>
+      <p:sp>
+        <p:nvSpPr>
+          <p:cNvPr id="3" name="Content Placeholder 2"/>
+          <p:cNvSpPr>
+            <a:spLocks noGrp="1"/>
+          </p:cNvSpPr>
+          <p:nvPr>
+            <p:ph idx="1"/>
+          </p:nvPr>
+        </p:nvSpPr>
+        <p:spPr/>
+        <p:txBody>
+          <a:bodyPr/>
+          <a:lstStyle/>
+          <a:p>
+            <a:r>
+              <a:rPr lang="en-GB" dirty="0"/>
+              <a:t>Sex prediction can be done relatively accurately (without just assuming the correspondent is a man).</a:t>
+            </a:r>
+            <a:br>
+              <a:rPr lang="en-GB" dirty="0"/>
+            </a:br>
+            <a:endParaRPr lang="en-GB" dirty="0"/>
+          </a:p>
+          <a:p>
+            <a:r>
+              <a:rPr lang="en-GB" dirty="0"/>
+              <a:t>We provide a proof of concept for occupation inference. Though accuracy is limited, it could be taken further with a more thorough extraction of occupancy information from the data and with a more sophisticated language model.</a:t>
+            </a:r>
+          </a:p>
+          <a:p>
+            <a:endParaRPr lang="en-GB" dirty="0"/>
+          </a:p>
+          <a:p>
+            <a:r>
+              <a:rPr lang="en-GB" dirty="0"/>
+              <a:t>Our model could also be adapted for further investigative work, for example clustering the letters for </a:t>
+            </a:r>
+            <a:r>
+              <a:rPr lang="en-GB"/>
+              <a:t>topic analysis.</a:t>
+            </a:r>
+            <a:endParaRPr lang="en-GB" dirty="0"/>
+          </a:p>
+        </p:txBody>
+      </p:sp>
+    </p:spTree>
+    <p:extLst>
+      <p:ext uri="{BB962C8B-B14F-4D97-AF65-F5344CB8AC3E}">
+        <p14:creationId xmlns:p14="http://schemas.microsoft.com/office/powerpoint/2010/main" val="1014809110"/>
+      </p:ext>
+    </p:extLst>
+  </p:cSld>
+  <p:clrMapOvr>
+    <a:masterClrMapping/>
+  </p:clrMapOvr>
 </p:sld>
 </file>
 
@@ -6742,111 +6776,6 @@
             <p:ph type="title"/>
           </p:nvPr>
         </p:nvSpPr>
-        <p:spPr/>
-        <p:txBody>
-          <a:bodyPr/>
-          <a:lstStyle/>
-          <a:p>
-            <a:r>
-              <a:rPr lang="en-GB" dirty="0"/>
-              <a:t>Conclusions</a:t>
-            </a:r>
-          </a:p>
-        </p:txBody>
-      </p:sp>
-      <p:sp>
-        <p:nvSpPr>
-          <p:cNvPr id="3" name="Content Placeholder 2"/>
-          <p:cNvSpPr>
-            <a:spLocks noGrp="1"/>
-          </p:cNvSpPr>
-          <p:nvPr>
-            <p:ph idx="1"/>
-          </p:nvPr>
-        </p:nvSpPr>
-        <p:spPr/>
-        <p:txBody>
-          <a:bodyPr/>
-          <a:lstStyle/>
-          <a:p>
-            <a:r>
-              <a:rPr lang="en-GB" dirty="0"/>
-              <a:t>Sex prediction can be done relatively accurately (without just assuming the correspondent is a man).</a:t>
-            </a:r>
-            <a:br>
-              <a:rPr lang="en-GB" dirty="0"/>
-            </a:br>
-            <a:endParaRPr lang="en-GB" dirty="0"/>
-          </a:p>
-          <a:p>
-            <a:r>
-              <a:rPr lang="en-GB" dirty="0"/>
-              <a:t>We provide a proof of concept for occupation inference. Though accuracy is limited, it could be taken further with a more thorough extraction of occupancy information from the data and with a more sophisticated language model.</a:t>
-            </a:r>
-          </a:p>
-          <a:p>
-            <a:endParaRPr lang="en-GB" dirty="0"/>
-          </a:p>
-          <a:p>
-            <a:r>
-              <a:rPr lang="en-GB" dirty="0"/>
-              <a:t>Our model could also be adapted for further investigative work, for example clustering the letters for </a:t>
-            </a:r>
-            <a:r>
-              <a:rPr lang="en-GB"/>
-              <a:t>topic analysis.</a:t>
-            </a:r>
-            <a:endParaRPr lang="en-GB" dirty="0"/>
-          </a:p>
-        </p:txBody>
-      </p:sp>
-    </p:spTree>
-    <p:extLst>
-      <p:ext uri="{BB962C8B-B14F-4D97-AF65-F5344CB8AC3E}">
-        <p14:creationId xmlns:p14="http://schemas.microsoft.com/office/powerpoint/2010/main" val="1014809110"/>
-      </p:ext>
-    </p:extLst>
-  </p:cSld>
-  <p:clrMapOvr>
-    <a:masterClrMapping/>
-  </p:clrMapOvr>
-  <p:timing>
-    <p:tnLst>
-      <p:par>
-        <p:cTn id="1" dur="indefinite" restart="never" nodeType="tmRoot"/>
-      </p:par>
-    </p:tnLst>
-  </p:timing>
-</p:sld>
-</file>
-
-<file path=ppt/slides/slide9.xml><?xml version="1.0" encoding="utf-8"?>
-<p:sld xmlns:a="http://schemas.openxmlformats.org/drawingml/2006/main" xmlns:r="http://schemas.openxmlformats.org/officeDocument/2006/relationships" xmlns:p="http://schemas.openxmlformats.org/presentationml/2006/main">
-  <p:cSld>
-    <p:spTree>
-      <p:nvGrpSpPr>
-        <p:cNvPr id="1" name=""/>
-        <p:cNvGrpSpPr/>
-        <p:nvPr/>
-      </p:nvGrpSpPr>
-      <p:grpSpPr>
-        <a:xfrm>
-          <a:off x="0" y="0"/>
-          <a:ext cx="0" cy="0"/>
-          <a:chOff x="0" y="0"/>
-          <a:chExt cx="0" cy="0"/>
-        </a:xfrm>
-      </p:grpSpPr>
-      <p:sp>
-        <p:nvSpPr>
-          <p:cNvPr id="2" name="Title 1"/>
-          <p:cNvSpPr>
-            <a:spLocks noGrp="1"/>
-          </p:cNvSpPr>
-          <p:nvPr>
-            <p:ph type="title"/>
-          </p:nvPr>
-        </p:nvSpPr>
         <p:spPr>
           <a:xfrm>
             <a:off x="3932381" y="2212398"/>
@@ -6876,13 +6805,6 @@
   <p:clrMapOvr>
     <a:masterClrMapping/>
   </p:clrMapOvr>
-  <p:timing>
-    <p:tnLst>
-      <p:par>
-        <p:cTn id="1" dur="indefinite" restart="never" nodeType="tmRoot"/>
-      </p:par>
-    </p:tnLst>
-  </p:timing>
 </p:sld>
 </file>
 
@@ -7148,18 +7070,18 @@
 </file>
 
 <file path=customXml/item1.xml><?xml version="1.0" encoding="utf-8"?>
+<p:properties xmlns:p="http://schemas.microsoft.com/office/2006/metadata/properties" xmlns:xsi="http://www.w3.org/2001/XMLSchema-instance" xmlns:pc="http://schemas.microsoft.com/office/infopath/2007/PartnerControls">
+  <documentManagement/>
+</p:properties>
+</file>
+
+<file path=customXml/item2.xml><?xml version="1.0" encoding="utf-8"?>
 <?mso-contentType ?>
 <FormTemplates xmlns="http://schemas.microsoft.com/sharepoint/v3/contenttype/forms">
   <Display>DocumentLibraryForm</Display>
   <Edit>DocumentLibraryForm</Edit>
   <New>DocumentLibraryForm</New>
 </FormTemplates>
-</file>
-
-<file path=customXml/item2.xml><?xml version="1.0" encoding="utf-8"?>
-<p:properties xmlns:p="http://schemas.microsoft.com/office/2006/metadata/properties" xmlns:xsi="http://www.w3.org/2001/XMLSchema-instance" xmlns:pc="http://schemas.microsoft.com/office/infopath/2007/PartnerControls">
-  <documentManagement/>
-</p:properties>
 </file>
 
 <file path=customXml/item3.xml><?xml version="1.0" encoding="utf-8"?>
@@ -7392,14 +7314,6 @@
 </file>
 
 <file path=customXml/itemProps1.xml><?xml version="1.0" encoding="utf-8"?>
-<ds:datastoreItem xmlns:ds="http://schemas.openxmlformats.org/officeDocument/2006/customXml" ds:itemID="{A7DA58CF-2062-49E8-B3B7-B6C28503C99D}">
-  <ds:schemaRefs>
-    <ds:schemaRef ds:uri="http://schemas.microsoft.com/sharepoint/v3/contenttype/forms"/>
-  </ds:schemaRefs>
-</ds:datastoreItem>
-</file>
-
-<file path=customXml/itemProps2.xml><?xml version="1.0" encoding="utf-8"?>
 <ds:datastoreItem xmlns:ds="http://schemas.openxmlformats.org/officeDocument/2006/customXml" ds:itemID="{5B20B516-085B-4FCA-81F9-E607D6E36C38}">
   <ds:schemaRefs>
     <ds:schemaRef ds:uri="http://schemas.openxmlformats.org/package/2006/metadata/core-properties"/>
@@ -7412,6 +7326,14 @@
     <ds:schemaRef ds:uri="9911a6ce-f3f8-410c-82d6-cdebf25c0ba4"/>
     <ds:schemaRef ds:uri="http://www.w3.org/XML/1998/namespace"/>
     <ds:schemaRef ds:uri="http://purl.org/dc/dcmitype/"/>
+  </ds:schemaRefs>
+</ds:datastoreItem>
+</file>
+
+<file path=customXml/itemProps2.xml><?xml version="1.0" encoding="utf-8"?>
+<ds:datastoreItem xmlns:ds="http://schemas.openxmlformats.org/officeDocument/2006/customXml" ds:itemID="{A7DA58CF-2062-49E8-B3B7-B6C28503C99D}">
+  <ds:schemaRefs>
+    <ds:schemaRef ds:uri="http://schemas.microsoft.com/sharepoint/v3/contenttype/forms"/>
   </ds:schemaRefs>
 </ds:datastoreItem>
 </file>

--- a/DCP-presentation-group1.pptx
+++ b/DCP-presentation-group1.pptx
@@ -10,9 +10,10 @@
     <p:sldId id="258" r:id="rId7"/>
     <p:sldId id="259" r:id="rId8"/>
     <p:sldId id="260" r:id="rId9"/>
-    <p:sldId id="264" r:id="rId10"/>
-    <p:sldId id="262" r:id="rId11"/>
-    <p:sldId id="261" r:id="rId12"/>
+    <p:sldId id="265" r:id="rId10"/>
+    <p:sldId id="264" r:id="rId11"/>
+    <p:sldId id="262" r:id="rId12"/>
+    <p:sldId id="261" r:id="rId13"/>
   </p:sldIdLst>
   <p:sldSz cx="12192000" cy="6858000"/>
   <p:notesSz cx="6858000" cy="9144000"/>
@@ -6374,6 +6375,89 @@
 <file path=ppt/slides/slide6.xml><?xml version="1.0" encoding="utf-8"?>
 <p:sld xmlns:a="http://schemas.openxmlformats.org/drawingml/2006/main" xmlns:r="http://schemas.openxmlformats.org/officeDocument/2006/relationships" xmlns:p="http://schemas.openxmlformats.org/presentationml/2006/main">
   <p:cSld>
+    <p:bg>
+      <p:bgPr>
+        <a:blipFill dpi="0" rotWithShape="1">
+          <a:blip r:embed="rId2">
+            <a:lum/>
+          </a:blip>
+          <a:srcRect/>
+          <a:stretch>
+            <a:fillRect/>
+          </a:stretch>
+        </a:blipFill>
+        <a:effectLst/>
+      </p:bgPr>
+    </p:bg>
+    <p:spTree>
+      <p:nvGrpSpPr>
+        <p:cNvPr id="1" name=""/>
+        <p:cNvGrpSpPr/>
+        <p:nvPr/>
+      </p:nvGrpSpPr>
+      <p:grpSpPr>
+        <a:xfrm>
+          <a:off x="0" y="0"/>
+          <a:ext cx="0" cy="0"/>
+          <a:chOff x="0" y="0"/>
+          <a:chExt cx="0" cy="0"/>
+        </a:xfrm>
+      </p:grpSpPr>
+      <p:pic>
+        <p:nvPicPr>
+          <p:cNvPr id="5" name="Content Placeholder 4" descr="Chart, funnel chart&#10;&#10;Description automatically generated">
+            <a:extLst>
+              <a:ext uri="{FF2B5EF4-FFF2-40B4-BE49-F238E27FC236}">
+                <a16:creationId xmlns:a16="http://schemas.microsoft.com/office/drawing/2014/main" id="{3F3B684D-51D2-444C-9D29-9CACAA2B2DB7}"/>
+              </a:ext>
+            </a:extLst>
+          </p:cNvPr>
+          <p:cNvPicPr>
+            <a:picLocks noGrp="1" noChangeAspect="1"/>
+          </p:cNvPicPr>
+          <p:nvPr>
+            <p:ph idx="1"/>
+          </p:nvPr>
+        </p:nvPicPr>
+        <p:blipFill>
+          <a:blip r:embed="rId3"/>
+          <a:stretch>
+            <a:fillRect/>
+          </a:stretch>
+        </p:blipFill>
+        <p:spPr>
+          <a:xfrm>
+            <a:off x="1042869" y="1175873"/>
+            <a:ext cx="10126414" cy="4506254"/>
+          </a:xfrm>
+          <a:prstGeom prst="rect">
+            <a:avLst/>
+          </a:prstGeom>
+          <a:ln w="190500" cap="flat" cmpd="thinThick">
+            <a:solidFill>
+              <a:srgbClr val="FFFFFF"/>
+            </a:solidFill>
+            <a:prstDash val="solid"/>
+            <a:round/>
+          </a:ln>
+        </p:spPr>
+      </p:pic>
+    </p:spTree>
+    <p:extLst>
+      <p:ext uri="{BB962C8B-B14F-4D97-AF65-F5344CB8AC3E}">
+        <p14:creationId xmlns:p14="http://schemas.microsoft.com/office/powerpoint/2010/main" val="3426132979"/>
+      </p:ext>
+    </p:extLst>
+  </p:cSld>
+  <p:clrMapOvr>
+    <a:masterClrMapping/>
+  </p:clrMapOvr>
+</p:sld>
+</file>
+
+<file path=ppt/slides/slide7.xml><?xml version="1.0" encoding="utf-8"?>
+<p:sld xmlns:a="http://schemas.openxmlformats.org/drawingml/2006/main" xmlns:r="http://schemas.openxmlformats.org/officeDocument/2006/relationships" xmlns:p="http://schemas.openxmlformats.org/presentationml/2006/main">
+  <p:cSld>
     <p:spTree>
       <p:nvGrpSpPr>
         <p:cNvPr id="1" name=""/>
@@ -6651,7 +6735,7 @@
 </p:sld>
 </file>
 
-<file path=ppt/slides/slide7.xml><?xml version="1.0" encoding="utf-8"?>
+<file path=ppt/slides/slide8.xml><?xml version="1.0" encoding="utf-8"?>
 <p:sld xmlns:a="http://schemas.openxmlformats.org/drawingml/2006/main" xmlns:r="http://schemas.openxmlformats.org/officeDocument/2006/relationships" xmlns:p="http://schemas.openxmlformats.org/presentationml/2006/main">
   <p:cSld>
     <p:spTree>
@@ -6749,7 +6833,7 @@
 </p:sld>
 </file>
 
-<file path=ppt/slides/slide8.xml><?xml version="1.0" encoding="utf-8"?>
+<file path=ppt/slides/slide9.xml><?xml version="1.0" encoding="utf-8"?>
 <p:sld xmlns:a="http://schemas.openxmlformats.org/drawingml/2006/main" xmlns:r="http://schemas.openxmlformats.org/officeDocument/2006/relationships" xmlns:p="http://schemas.openxmlformats.org/presentationml/2006/main">
   <p:cSld>
     <p:spTree>
@@ -7076,15 +7160,6 @@
 </file>
 
 <file path=customXml/item2.xml><?xml version="1.0" encoding="utf-8"?>
-<?mso-contentType ?>
-<FormTemplates xmlns="http://schemas.microsoft.com/sharepoint/v3/contenttype/forms">
-  <Display>DocumentLibraryForm</Display>
-  <Edit>DocumentLibraryForm</Edit>
-  <New>DocumentLibraryForm</New>
-</FormTemplates>
-</file>
-
-<file path=customXml/item3.xml><?xml version="1.0" encoding="utf-8"?>
 <ct:contentTypeSchema xmlns:ct="http://schemas.microsoft.com/office/2006/metadata/contentType" xmlns:ma="http://schemas.microsoft.com/office/2006/metadata/properties/metaAttributes" ct:_="" ma:_="" ma:contentTypeName="Document" ma:contentTypeID="0x01010048D2C9578948FB4BBDEFA4C115FF2CE8" ma:contentTypeVersion="14" ma:contentTypeDescription="Create a new document." ma:contentTypeScope="" ma:versionID="6e2fcab41b1b0198ed6f8326d7f010c7">
   <xsd:schema xmlns:xsd="http://www.w3.org/2001/XMLSchema" xmlns:xs="http://www.w3.org/2001/XMLSchema" xmlns:p="http://schemas.microsoft.com/office/2006/metadata/properties" xmlns:ns3="9911a6ce-f3f8-410c-82d6-cdebf25c0ba4" xmlns:ns4="43500f77-5812-4bb6-93cb-fabc4f5716a5" targetNamespace="http://schemas.microsoft.com/office/2006/metadata/properties" ma:root="true" ma:fieldsID="071ead392f8b4912e9cbb4dbb7078232" ns3:_="" ns4:_="">
     <xsd:import namespace="9911a6ce-f3f8-410c-82d6-cdebf25c0ba4"/>
@@ -7313,6 +7388,15 @@
 </ct:contentTypeSchema>
 </file>
 
+<file path=customXml/item3.xml><?xml version="1.0" encoding="utf-8"?>
+<?mso-contentType ?>
+<FormTemplates xmlns="http://schemas.microsoft.com/sharepoint/v3/contenttype/forms">
+  <Display>DocumentLibraryForm</Display>
+  <Edit>DocumentLibraryForm</Edit>
+  <New>DocumentLibraryForm</New>
+</FormTemplates>
+</file>
+
 <file path=customXml/itemProps1.xml><?xml version="1.0" encoding="utf-8"?>
 <ds:datastoreItem xmlns:ds="http://schemas.openxmlformats.org/officeDocument/2006/customXml" ds:itemID="{5B20B516-085B-4FCA-81F9-E607D6E36C38}">
   <ds:schemaRefs>
@@ -7331,14 +7415,6 @@
 </file>
 
 <file path=customXml/itemProps2.xml><?xml version="1.0" encoding="utf-8"?>
-<ds:datastoreItem xmlns:ds="http://schemas.openxmlformats.org/officeDocument/2006/customXml" ds:itemID="{A7DA58CF-2062-49E8-B3B7-B6C28503C99D}">
-  <ds:schemaRefs>
-    <ds:schemaRef ds:uri="http://schemas.microsoft.com/sharepoint/v3/contenttype/forms"/>
-  </ds:schemaRefs>
-</ds:datastoreItem>
-</file>
-
-<file path=customXml/itemProps3.xml><?xml version="1.0" encoding="utf-8"?>
 <ds:datastoreItem xmlns:ds="http://schemas.openxmlformats.org/officeDocument/2006/customXml" ds:itemID="{F58F17D9-0F76-4381-9F89-4DAFD064F76C}">
   <ds:schemaRefs>
     <ds:schemaRef ds:uri="http://schemas.microsoft.com/office/2006/metadata/contentType"/>
@@ -7355,4 +7431,12 @@
     <ds:schemaRef ds:uri="http://schemas.microsoft.com/internal/obd"/>
   </ds:schemaRefs>
 </ds:datastoreItem>
+</file>
+
+<file path=customXml/itemProps3.xml><?xml version="1.0" encoding="utf-8"?>
+<ds:datastoreItem xmlns:ds="http://schemas.openxmlformats.org/officeDocument/2006/customXml" ds:itemID="{A7DA58CF-2062-49E8-B3B7-B6C28503C99D}">
+  <ds:schemaRefs>
+    <ds:schemaRef ds:uri="http://schemas.microsoft.com/sharepoint/v3/contenttype/forms"/>
+  </ds:schemaRefs>
+</ds:datastoreItem>
 </file>
--- a/DCP-presentation-group1.pptx
+++ b/DCP-presentation-group1.pptx
@@ -9,7 +9,7 @@
     <p:sldId id="257" r:id="rId6"/>
     <p:sldId id="258" r:id="rId7"/>
     <p:sldId id="259" r:id="rId8"/>
-    <p:sldId id="260" r:id="rId9"/>
+    <p:sldId id="266" r:id="rId9"/>
     <p:sldId id="265" r:id="rId10"/>
     <p:sldId id="264" r:id="rId11"/>
     <p:sldId id="262" r:id="rId12"/>
@@ -5802,6 +5802,10 @@
             <a:br>
               <a:rPr lang="en-GB" sz="2800" dirty="0"/>
             </a:br>
+            <a:r>
+              <a:rPr lang="en-GB" sz="2800" dirty="0"/>
+              <a:t/>
+            </a:r>
             <a:br>
               <a:rPr lang="en-GB" sz="2800" dirty="0"/>
             </a:br>
@@ -5824,6 +5828,10 @@
                 </a:solidFill>
               </a:rPr>
               <a:t> Aggarwal | Megan Briers | Tom Harris | Jason Wood</a:t>
+            </a:r>
+            <a:r>
+              <a:rPr lang="en-GB" dirty="0"/>
+              <a:t/>
             </a:r>
             <a:br>
               <a:rPr lang="en-GB" dirty="0"/>
@@ -6293,12 +6301,14 @@
         </p:nvSpPr>
         <p:spPr>
           <a:xfrm>
-            <a:off x="1120000" y="1825625"/>
-            <a:ext cx="8014764" cy="4351338"/>
+            <a:off x="1119999" y="1825625"/>
+            <a:ext cx="10074473" cy="4351338"/>
           </a:xfrm>
         </p:spPr>
         <p:txBody>
-          <a:bodyPr/>
+          <a:bodyPr>
+            <a:normAutofit lnSpcReduction="10000"/>
+          </a:bodyPr>
           <a:lstStyle/>
           <a:p>
             <a:r>
@@ -6323,7 +6333,37 @@
           <a:p>
             <a:r>
               <a:rPr lang="en-GB" dirty="0"/>
-              <a:t>We can generate a list of likely candidate occupations for each letter.</a:t>
+              <a:t>We can generate a list of </a:t>
+            </a:r>
+            <a:r>
+              <a:rPr lang="en-GB" dirty="0" smtClean="0"/>
+              <a:t>likely</a:t>
+            </a:r>
+            <a:br>
+              <a:rPr lang="en-GB" dirty="0" smtClean="0"/>
+            </a:br>
+            <a:r>
+              <a:rPr lang="en-GB" dirty="0" smtClean="0"/>
+              <a:t> </a:t>
+            </a:r>
+            <a:r>
+              <a:rPr lang="en-GB" dirty="0"/>
+              <a:t>candidate occupations for </a:t>
+            </a:r>
+            <a:r>
+              <a:rPr lang="en-GB" dirty="0" smtClean="0"/>
+              <a:t/>
+            </a:r>
+            <a:br>
+              <a:rPr lang="en-GB" dirty="0" smtClean="0"/>
+            </a:br>
+            <a:r>
+              <a:rPr lang="en-GB" dirty="0" smtClean="0"/>
+              <a:t>each </a:t>
+            </a:r>
+            <a:r>
+              <a:rPr lang="en-GB" dirty="0"/>
+              <a:t>letter.</a:t>
             </a:r>
             <a:br>
               <a:rPr lang="en-GB" dirty="0"/>
@@ -6337,7 +6377,7 @@
       </p:sp>
       <p:pic>
         <p:nvPicPr>
-          <p:cNvPr id="4" name="Picture 3"/>
+          <p:cNvPr id="5" name="Picture 4"/>
           <p:cNvPicPr>
             <a:picLocks noChangeAspect="1"/>
           </p:cNvPicPr>
@@ -6351,8 +6391,8 @@
         </p:blipFill>
         <p:spPr>
           <a:xfrm>
-            <a:off x="219796" y="5742332"/>
-            <a:ext cx="11584277" cy="569568"/>
+            <a:off x="5968134" y="4110038"/>
+            <a:ext cx="6000750" cy="2066925"/>
           </a:xfrm>
           <a:prstGeom prst="rect">
             <a:avLst/>
@@ -6362,13 +6402,20 @@
     </p:spTree>
     <p:extLst>
       <p:ext uri="{BB962C8B-B14F-4D97-AF65-F5344CB8AC3E}">
-        <p14:creationId xmlns:p14="http://schemas.microsoft.com/office/powerpoint/2010/main" val="884708909"/>
+        <p14:creationId xmlns:p14="http://schemas.microsoft.com/office/powerpoint/2010/main" val="311975618"/>
       </p:ext>
     </p:extLst>
   </p:cSld>
   <p:clrMapOvr>
     <a:masterClrMapping/>
   </p:clrMapOvr>
+  <p:timing>
+    <p:tnLst>
+      <p:par>
+        <p:cTn id="1" dur="indefinite" restart="never" nodeType="tmRoot"/>
+      </p:par>
+    </p:tnLst>
+  </p:timing>
 </p:sld>
 </file>
 
@@ -6545,6 +6592,10 @@
           </a:bodyPr>
           <a:lstStyle/>
           <a:p>
+            <a:r>
+              <a:rPr lang="en-GB" dirty="0"/>
+              <a:t/>
+            </a:r>
             <a:br>
               <a:rPr lang="en-GB" dirty="0"/>
             </a:br>
@@ -7154,12 +7205,6 @@
 </file>
 
 <file path=customXml/item1.xml><?xml version="1.0" encoding="utf-8"?>
-<p:properties xmlns:p="http://schemas.microsoft.com/office/2006/metadata/properties" xmlns:xsi="http://www.w3.org/2001/XMLSchema-instance" xmlns:pc="http://schemas.microsoft.com/office/infopath/2007/PartnerControls">
-  <documentManagement/>
-</p:properties>
-</file>
-
-<file path=customXml/item2.xml><?xml version="1.0" encoding="utf-8"?>
 <ct:contentTypeSchema xmlns:ct="http://schemas.microsoft.com/office/2006/metadata/contentType" xmlns:ma="http://schemas.microsoft.com/office/2006/metadata/properties/metaAttributes" ct:_="" ma:_="" ma:contentTypeName="Document" ma:contentTypeID="0x01010048D2C9578948FB4BBDEFA4C115FF2CE8" ma:contentTypeVersion="14" ma:contentTypeDescription="Create a new document." ma:contentTypeScope="" ma:versionID="6e2fcab41b1b0198ed6f8326d7f010c7">
   <xsd:schema xmlns:xsd="http://www.w3.org/2001/XMLSchema" xmlns:xs="http://www.w3.org/2001/XMLSchema" xmlns:p="http://schemas.microsoft.com/office/2006/metadata/properties" xmlns:ns3="9911a6ce-f3f8-410c-82d6-cdebf25c0ba4" xmlns:ns4="43500f77-5812-4bb6-93cb-fabc4f5716a5" targetNamespace="http://schemas.microsoft.com/office/2006/metadata/properties" ma:root="true" ma:fieldsID="071ead392f8b4912e9cbb4dbb7078232" ns3:_="" ns4:_="">
     <xsd:import namespace="9911a6ce-f3f8-410c-82d6-cdebf25c0ba4"/>
@@ -7388,6 +7433,12 @@
 </ct:contentTypeSchema>
 </file>
 
+<file path=customXml/item2.xml><?xml version="1.0" encoding="utf-8"?>
+<p:properties xmlns:p="http://schemas.microsoft.com/office/2006/metadata/properties" xmlns:xsi="http://www.w3.org/2001/XMLSchema-instance" xmlns:pc="http://schemas.microsoft.com/office/infopath/2007/PartnerControls">
+  <documentManagement/>
+</p:properties>
+</file>
+
 <file path=customXml/item3.xml><?xml version="1.0" encoding="utf-8"?>
 <?mso-contentType ?>
 <FormTemplates xmlns="http://schemas.microsoft.com/sharepoint/v3/contenttype/forms">
@@ -7398,23 +7449,6 @@
 </file>
 
 <file path=customXml/itemProps1.xml><?xml version="1.0" encoding="utf-8"?>
-<ds:datastoreItem xmlns:ds="http://schemas.openxmlformats.org/officeDocument/2006/customXml" ds:itemID="{5B20B516-085B-4FCA-81F9-E607D6E36C38}">
-  <ds:schemaRefs>
-    <ds:schemaRef ds:uri="http://schemas.openxmlformats.org/package/2006/metadata/core-properties"/>
-    <ds:schemaRef ds:uri="http://schemas.microsoft.com/office/2006/documentManagement/types"/>
-    <ds:schemaRef ds:uri="http://schemas.microsoft.com/office/infopath/2007/PartnerControls"/>
-    <ds:schemaRef ds:uri="http://purl.org/dc/elements/1.1/"/>
-    <ds:schemaRef ds:uri="http://schemas.microsoft.com/office/2006/metadata/properties"/>
-    <ds:schemaRef ds:uri="43500f77-5812-4bb6-93cb-fabc4f5716a5"/>
-    <ds:schemaRef ds:uri="http://purl.org/dc/terms/"/>
-    <ds:schemaRef ds:uri="9911a6ce-f3f8-410c-82d6-cdebf25c0ba4"/>
-    <ds:schemaRef ds:uri="http://www.w3.org/XML/1998/namespace"/>
-    <ds:schemaRef ds:uri="http://purl.org/dc/dcmitype/"/>
-  </ds:schemaRefs>
-</ds:datastoreItem>
-</file>
-
-<file path=customXml/itemProps2.xml><?xml version="1.0" encoding="utf-8"?>
 <ds:datastoreItem xmlns:ds="http://schemas.openxmlformats.org/officeDocument/2006/customXml" ds:itemID="{F58F17D9-0F76-4381-9F89-4DAFD064F76C}">
   <ds:schemaRefs>
     <ds:schemaRef ds:uri="http://schemas.microsoft.com/office/2006/metadata/contentType"/>
@@ -7433,6 +7467,23 @@
 </ds:datastoreItem>
 </file>
 
+<file path=customXml/itemProps2.xml><?xml version="1.0" encoding="utf-8"?>
+<ds:datastoreItem xmlns:ds="http://schemas.openxmlformats.org/officeDocument/2006/customXml" ds:itemID="{5B20B516-085B-4FCA-81F9-E607D6E36C38}">
+  <ds:schemaRefs>
+    <ds:schemaRef ds:uri="http://schemas.openxmlformats.org/package/2006/metadata/core-properties"/>
+    <ds:schemaRef ds:uri="http://schemas.microsoft.com/office/2006/documentManagement/types"/>
+    <ds:schemaRef ds:uri="http://schemas.microsoft.com/office/infopath/2007/PartnerControls"/>
+    <ds:schemaRef ds:uri="http://purl.org/dc/elements/1.1/"/>
+    <ds:schemaRef ds:uri="http://schemas.microsoft.com/office/2006/metadata/properties"/>
+    <ds:schemaRef ds:uri="43500f77-5812-4bb6-93cb-fabc4f5716a5"/>
+    <ds:schemaRef ds:uri="http://purl.org/dc/terms/"/>
+    <ds:schemaRef ds:uri="9911a6ce-f3f8-410c-82d6-cdebf25c0ba4"/>
+    <ds:schemaRef ds:uri="http://www.w3.org/XML/1998/namespace"/>
+    <ds:schemaRef ds:uri="http://purl.org/dc/dcmitype/"/>
+  </ds:schemaRefs>
+</ds:datastoreItem>
+</file>
+
 <file path=customXml/itemProps3.xml><?xml version="1.0" encoding="utf-8"?>
 <ds:datastoreItem xmlns:ds="http://schemas.openxmlformats.org/officeDocument/2006/customXml" ds:itemID="{A7DA58CF-2062-49E8-B3B7-B6C28503C99D}">
   <ds:schemaRefs>
